--- a/Group_8/Project_01_Group_08.pptx
+++ b/Group_8/Project_01_Group_08.pptx
@@ -5,7 +5,7 @@
     <p:sldMasterId id="2147483659" r:id="rId1"/>
   </p:sldMasterIdLst>
   <p:notesMasterIdLst>
-    <p:notesMasterId r:id="rId19"/>
+    <p:notesMasterId r:id="rId20"/>
   </p:notesMasterIdLst>
   <p:sldIdLst>
     <p:sldId id="256" r:id="rId2"/>
@@ -25,6 +25,7 @@
     <p:sldId id="270" r:id="rId16"/>
     <p:sldId id="271" r:id="rId17"/>
     <p:sldId id="272" r:id="rId18"/>
+    <p:sldId id="273" r:id="rId19"/>
   </p:sldIdLst>
   <p:sldSz cx="12192000" cy="6858000"/>
   <p:notesSz cx="6858000" cy="9144000"/>
@@ -257,6 +258,11 @@
       </a:defRPr>
     </a:lvl9pPr>
   </p:defaultTextStyle>
+  <p:extLst>
+    <p:ext uri="{EFAFB233-063F-42B5-8137-9DF3F51BA10A}">
+      <p15:sldGuideLst xmlns:p15="http://schemas.microsoft.com/office/powerpoint/2012/main"/>
+    </p:ext>
+  </p:extLst>
 </p:presentation>
 </file>
 
@@ -1562,7 +1568,7 @@
   <p:cSld>
     <p:spTree>
       <p:nvGrpSpPr>
-        <p:cNvPr id="1" name="Shape 196"/>
+        <p:cNvPr id="1" name="Shape 195"/>
         <p:cNvGrpSpPr/>
         <p:nvPr/>
       </p:nvGrpSpPr>
@@ -1576,7 +1582,7 @@
       </p:grpSpPr>
       <p:sp>
         <p:nvSpPr>
-          <p:cNvPr id="197" name="Google Shape;197;g7f46b63725_4_119:notes"/>
+          <p:cNvPr id="196" name="Google Shape;196;g7f46b63725_4_7:notes"/>
           <p:cNvSpPr>
             <a:spLocks noGrp="1" noRot="1" noChangeAspect="1"/>
           </p:cNvSpPr>
@@ -1617,7 +1623,7 @@
       </p:sp>
       <p:sp>
         <p:nvSpPr>
-          <p:cNvPr id="198" name="Google Shape;198;g7f46b63725_4_119:notes"/>
+          <p:cNvPr id="197" name="Google Shape;197;g7f46b63725_4_7:notes"/>
           <p:cNvSpPr txBox="1">
             <a:spLocks noGrp="1"/>
           </p:cNvSpPr>
@@ -1655,7 +1661,7 @@
       </p:sp>
       <p:sp>
         <p:nvSpPr>
-          <p:cNvPr id="199" name="Google Shape;199;g7f46b63725_4_119:notes"/>
+          <p:cNvPr id="198" name="Google Shape;198;g7f46b63725_4_7:notes"/>
           <p:cNvSpPr txBox="1">
             <a:spLocks noGrp="1"/>
           </p:cNvSpPr>
@@ -1708,7 +1714,7 @@
   <p:cSld>
     <p:spTree>
       <p:nvGrpSpPr>
-        <p:cNvPr id="1" name="Shape 207"/>
+        <p:cNvPr id="1" name="Shape 206"/>
         <p:cNvGrpSpPr/>
         <p:nvPr/>
       </p:nvGrpSpPr>
@@ -1722,7 +1728,7 @@
       </p:grpSpPr>
       <p:sp>
         <p:nvSpPr>
-          <p:cNvPr id="208" name="Google Shape;208;g7f46b63725_4_223:notes"/>
+          <p:cNvPr id="207" name="Google Shape;207;g7f46b63725_4_119:notes"/>
           <p:cNvSpPr>
             <a:spLocks noGrp="1" noRot="1" noChangeAspect="1"/>
           </p:cNvSpPr>
@@ -1763,7 +1769,7 @@
       </p:sp>
       <p:sp>
         <p:nvSpPr>
-          <p:cNvPr id="209" name="Google Shape;209;g7f46b63725_4_223:notes"/>
+          <p:cNvPr id="208" name="Google Shape;208;g7f46b63725_4_119:notes"/>
           <p:cNvSpPr txBox="1">
             <a:spLocks noGrp="1"/>
           </p:cNvSpPr>
@@ -1801,7 +1807,7 @@
       </p:sp>
       <p:sp>
         <p:nvSpPr>
-          <p:cNvPr id="210" name="Google Shape;210;g7f46b63725_4_223:notes"/>
+          <p:cNvPr id="209" name="Google Shape;209;g7f46b63725_4_119:notes"/>
           <p:cNvSpPr txBox="1">
             <a:spLocks noGrp="1"/>
           </p:cNvSpPr>
@@ -1854,7 +1860,7 @@
   <p:cSld>
     <p:spTree>
       <p:nvGrpSpPr>
-        <p:cNvPr id="1" name="Shape 220"/>
+        <p:cNvPr id="1" name="Shape 217"/>
         <p:cNvGrpSpPr/>
         <p:nvPr/>
       </p:nvGrpSpPr>
@@ -1868,7 +1874,7 @@
       </p:grpSpPr>
       <p:sp>
         <p:nvSpPr>
-          <p:cNvPr id="221" name="Google Shape;221;g7f46b63725_4_339:notes"/>
+          <p:cNvPr id="218" name="Google Shape;218;g7f46b63725_4_223:notes"/>
           <p:cNvSpPr>
             <a:spLocks noGrp="1" noRot="1" noChangeAspect="1"/>
           </p:cNvSpPr>
@@ -1909,7 +1915,7 @@
       </p:sp>
       <p:sp>
         <p:nvSpPr>
-          <p:cNvPr id="222" name="Google Shape;222;g7f46b63725_4_339:notes"/>
+          <p:cNvPr id="219" name="Google Shape;219;g7f46b63725_4_223:notes"/>
           <p:cNvSpPr txBox="1">
             <a:spLocks noGrp="1"/>
           </p:cNvSpPr>
@@ -1947,7 +1953,7 @@
       </p:sp>
       <p:sp>
         <p:nvSpPr>
-          <p:cNvPr id="223" name="Google Shape;223;g7f46b63725_4_339:notes"/>
+          <p:cNvPr id="220" name="Google Shape;220;g7f46b63725_4_223:notes"/>
           <p:cNvSpPr txBox="1">
             <a:spLocks noGrp="1"/>
           </p:cNvSpPr>
@@ -2014,45 +2020,7 @@
       </p:grpSpPr>
       <p:sp>
         <p:nvSpPr>
-          <p:cNvPr id="231" name="Google Shape;231;p8:notes"/>
-          <p:cNvSpPr txBox="1">
-            <a:spLocks noGrp="1"/>
-          </p:cNvSpPr>
-          <p:nvPr>
-            <p:ph type="body" idx="1"/>
-          </p:nvPr>
-        </p:nvSpPr>
-        <p:spPr>
-          <a:xfrm>
-            <a:off x="685800" y="4400550"/>
-            <a:ext cx="5486400" cy="3600450"/>
-          </a:xfrm>
-          <a:prstGeom prst="rect">
-            <a:avLst/>
-          </a:prstGeom>
-        </p:spPr>
-        <p:txBody>
-          <a:bodyPr spcFirstLastPara="1" wrap="square" lIns="91425" tIns="45700" rIns="91425" bIns="45700" anchor="t" anchorCtr="0">
-            <a:noAutofit/>
-          </a:bodyPr>
-          <a:lstStyle/>
-          <a:p>
-            <a:pPr marL="0" lvl="0" indent="0" algn="l" rtl="0">
-              <a:spcBef>
-                <a:spcPts val="0"/>
-              </a:spcBef>
-              <a:spcAft>
-                <a:spcPts val="0"/>
-              </a:spcAft>
-              <a:buNone/>
-            </a:pPr>
-            <a:endParaRPr/>
-          </a:p>
-        </p:txBody>
-      </p:sp>
-      <p:sp>
-        <p:nvSpPr>
-          <p:cNvPr id="232" name="Google Shape;232;p8:notes"/>
+          <p:cNvPr id="231" name="Google Shape;231;g7f46b63725_4_339:notes"/>
           <p:cNvSpPr>
             <a:spLocks noGrp="1" noRot="1" noChangeAspect="1"/>
           </p:cNvSpPr>
@@ -2091,6 +2059,86 @@
           </a:custGeom>
         </p:spPr>
       </p:sp>
+      <p:sp>
+        <p:nvSpPr>
+          <p:cNvPr id="232" name="Google Shape;232;g7f46b63725_4_339:notes"/>
+          <p:cNvSpPr txBox="1">
+            <a:spLocks noGrp="1"/>
+          </p:cNvSpPr>
+          <p:nvPr>
+            <p:ph type="body" idx="1"/>
+          </p:nvPr>
+        </p:nvSpPr>
+        <p:spPr>
+          <a:xfrm>
+            <a:off x="685800" y="4400550"/>
+            <a:ext cx="5486400" cy="3600600"/>
+          </a:xfrm>
+          <a:prstGeom prst="rect">
+            <a:avLst/>
+          </a:prstGeom>
+        </p:spPr>
+        <p:txBody>
+          <a:bodyPr spcFirstLastPara="1" wrap="square" lIns="91425" tIns="45700" rIns="91425" bIns="45700" anchor="t" anchorCtr="0">
+            <a:noAutofit/>
+          </a:bodyPr>
+          <a:lstStyle/>
+          <a:p>
+            <a:pPr marL="0" lvl="0" indent="0" algn="l" rtl="0">
+              <a:spcBef>
+                <a:spcPts val="0"/>
+              </a:spcBef>
+              <a:spcAft>
+                <a:spcPts val="0"/>
+              </a:spcAft>
+              <a:buNone/>
+            </a:pPr>
+            <a:endParaRPr/>
+          </a:p>
+        </p:txBody>
+      </p:sp>
+      <p:sp>
+        <p:nvSpPr>
+          <p:cNvPr id="233" name="Google Shape;233;g7f46b63725_4_339:notes"/>
+          <p:cNvSpPr txBox="1">
+            <a:spLocks noGrp="1"/>
+          </p:cNvSpPr>
+          <p:nvPr>
+            <p:ph type="sldNum" idx="12"/>
+          </p:nvPr>
+        </p:nvSpPr>
+        <p:spPr>
+          <a:xfrm>
+            <a:off x="3884613" y="8685213"/>
+            <a:ext cx="2971800" cy="458700"/>
+          </a:xfrm>
+          <a:prstGeom prst="rect">
+            <a:avLst/>
+          </a:prstGeom>
+        </p:spPr>
+        <p:txBody>
+          <a:bodyPr spcFirstLastPara="1" wrap="square" lIns="91425" tIns="45700" rIns="91425" bIns="45700" anchor="b" anchorCtr="0">
+            <a:noAutofit/>
+          </a:bodyPr>
+          <a:lstStyle/>
+          <a:p>
+            <a:pPr marL="0" lvl="0" indent="0" algn="r" rtl="0">
+              <a:spcBef>
+                <a:spcPts val="0"/>
+              </a:spcBef>
+              <a:spcAft>
+                <a:spcPts val="0"/>
+              </a:spcAft>
+              <a:buNone/>
+            </a:pPr>
+            <a:fld id="{00000000-1234-1234-1234-123412341234}" type="slidenum">
+              <a:rPr lang="en-US"/>
+              <a:t>13</a:t>
+            </a:fld>
+            <a:endParaRPr/>
+          </a:p>
+        </p:txBody>
+      </p:sp>
     </p:spTree>
   </p:cSld>
   <p:clrMapOvr>
@@ -2104,7 +2152,7 @@
   <p:cSld>
     <p:spTree>
       <p:nvGrpSpPr>
-        <p:cNvPr id="1" name="Shape 237"/>
+        <p:cNvPr id="1" name="Shape 240"/>
         <p:cNvGrpSpPr/>
         <p:nvPr/>
       </p:nvGrpSpPr>
@@ -2118,7 +2166,7 @@
       </p:grpSpPr>
       <p:sp>
         <p:nvSpPr>
-          <p:cNvPr id="238" name="Google Shape;238;p9:notes"/>
+          <p:cNvPr id="241" name="Google Shape;241;p8:notes"/>
           <p:cNvSpPr txBox="1">
             <a:spLocks noGrp="1"/>
           </p:cNvSpPr>
@@ -2156,7 +2204,7 @@
       </p:sp>
       <p:sp>
         <p:nvSpPr>
-          <p:cNvPr id="239" name="Google Shape;239;p9:notes"/>
+          <p:cNvPr id="242" name="Google Shape;242;p8:notes"/>
           <p:cNvSpPr>
             <a:spLocks noGrp="1" noRot="1" noChangeAspect="1"/>
           </p:cNvSpPr>
@@ -2208,7 +2256,7 @@
   <p:cSld>
     <p:spTree>
       <p:nvGrpSpPr>
-        <p:cNvPr id="1" name="Shape 244"/>
+        <p:cNvPr id="1" name="Shape 247"/>
         <p:cNvGrpSpPr/>
         <p:nvPr/>
       </p:nvGrpSpPr>
@@ -2222,7 +2270,45 @@
       </p:grpSpPr>
       <p:sp>
         <p:nvSpPr>
-          <p:cNvPr id="245" name="Google Shape;245;g7f46b63725_0_10:notes"/>
+          <p:cNvPr id="248" name="Google Shape;248;p9:notes"/>
+          <p:cNvSpPr txBox="1">
+            <a:spLocks noGrp="1"/>
+          </p:cNvSpPr>
+          <p:nvPr>
+            <p:ph type="body" idx="1"/>
+          </p:nvPr>
+        </p:nvSpPr>
+        <p:spPr>
+          <a:xfrm>
+            <a:off x="685800" y="4400550"/>
+            <a:ext cx="5486400" cy="3600450"/>
+          </a:xfrm>
+          <a:prstGeom prst="rect">
+            <a:avLst/>
+          </a:prstGeom>
+        </p:spPr>
+        <p:txBody>
+          <a:bodyPr spcFirstLastPara="1" wrap="square" lIns="91425" tIns="45700" rIns="91425" bIns="45700" anchor="t" anchorCtr="0">
+            <a:noAutofit/>
+          </a:bodyPr>
+          <a:lstStyle/>
+          <a:p>
+            <a:pPr marL="0" lvl="0" indent="0" algn="l" rtl="0">
+              <a:spcBef>
+                <a:spcPts val="0"/>
+              </a:spcBef>
+              <a:spcAft>
+                <a:spcPts val="0"/>
+              </a:spcAft>
+              <a:buNone/>
+            </a:pPr>
+            <a:endParaRPr/>
+          </a:p>
+        </p:txBody>
+      </p:sp>
+      <p:sp>
+        <p:nvSpPr>
+          <p:cNvPr id="249" name="Google Shape;249;p9:notes"/>
           <p:cNvSpPr>
             <a:spLocks noGrp="1" noRot="1" noChangeAspect="1"/>
           </p:cNvSpPr>
@@ -2261,90 +2347,6 @@
           </a:custGeom>
         </p:spPr>
       </p:sp>
-      <p:sp>
-        <p:nvSpPr>
-          <p:cNvPr id="246" name="Google Shape;246;g7f46b63725_0_10:notes"/>
-          <p:cNvSpPr txBox="1">
-            <a:spLocks noGrp="1"/>
-          </p:cNvSpPr>
-          <p:nvPr>
-            <p:ph type="body" idx="1"/>
-          </p:nvPr>
-        </p:nvSpPr>
-        <p:spPr>
-          <a:xfrm>
-            <a:off x="685800" y="4400550"/>
-            <a:ext cx="5486400" cy="3600600"/>
-          </a:xfrm>
-          <a:prstGeom prst="rect">
-            <a:avLst/>
-          </a:prstGeom>
-        </p:spPr>
-        <p:txBody>
-          <a:bodyPr spcFirstLastPara="1" wrap="square" lIns="91425" tIns="45700" rIns="91425" bIns="45700" anchor="t" anchorCtr="0">
-            <a:noAutofit/>
-          </a:bodyPr>
-          <a:lstStyle/>
-          <a:p>
-            <a:pPr marL="0" lvl="0" indent="0" algn="l" rtl="0">
-              <a:spcBef>
-                <a:spcPts val="0"/>
-              </a:spcBef>
-              <a:spcAft>
-                <a:spcPts val="0"/>
-              </a:spcAft>
-              <a:buNone/>
-            </a:pPr>
-            <a:endParaRPr/>
-          </a:p>
-        </p:txBody>
-      </p:sp>
-      <p:sp>
-        <p:nvSpPr>
-          <p:cNvPr id="247" name="Google Shape;247;g7f46b63725_0_10:notes"/>
-          <p:cNvSpPr txBox="1">
-            <a:spLocks noGrp="1"/>
-          </p:cNvSpPr>
-          <p:nvPr>
-            <p:ph type="sldNum" idx="12"/>
-          </p:nvPr>
-        </p:nvSpPr>
-        <p:spPr>
-          <a:xfrm>
-            <a:off x="3884613" y="8685213"/>
-            <a:ext cx="2971800" cy="458700"/>
-          </a:xfrm>
-          <a:prstGeom prst="rect">
-            <a:avLst/>
-          </a:prstGeom>
-        </p:spPr>
-        <p:txBody>
-          <a:bodyPr spcFirstLastPara="1" wrap="square" lIns="91425" tIns="45700" rIns="91425" bIns="45700" anchor="b" anchorCtr="0">
-            <a:noAutofit/>
-          </a:bodyPr>
-          <a:lstStyle/>
-          <a:p>
-            <a:pPr marL="0" lvl="0" indent="0" algn="r" rtl="0">
-              <a:spcBef>
-                <a:spcPts val="0"/>
-              </a:spcBef>
-              <a:spcAft>
-                <a:spcPts val="0"/>
-              </a:spcAft>
-              <a:buClr>
-                <a:srgbClr val="000000"/>
-              </a:buClr>
-              <a:buFont typeface="Arial"/>
-              <a:buNone/>
-            </a:pPr>
-            <a:fld id="{00000000-1234-1234-1234-123412341234}" type="slidenum">
-              <a:rPr lang="en-US"/>
-              <a:t>15</a:t>
-            </a:fld>
-            <a:endParaRPr/>
-          </a:p>
-        </p:txBody>
-      </p:sp>
     </p:spTree>
   </p:cSld>
   <p:clrMapOvr>
@@ -2358,7 +2360,7 @@
   <p:cSld>
     <p:spTree>
       <p:nvGrpSpPr>
-        <p:cNvPr id="1" name="Shape 252"/>
+        <p:cNvPr id="1" name="Shape 254"/>
         <p:cNvGrpSpPr/>
         <p:nvPr/>
       </p:nvGrpSpPr>
@@ -2372,7 +2374,7 @@
       </p:grpSpPr>
       <p:sp>
         <p:nvSpPr>
-          <p:cNvPr id="253" name="Google Shape;253;g7f46b63725_0_19:notes"/>
+          <p:cNvPr id="255" name="Google Shape;255;g7f46b63725_0_10:notes"/>
           <p:cNvSpPr>
             <a:spLocks noGrp="1" noRot="1" noChangeAspect="1"/>
           </p:cNvSpPr>
@@ -2413,7 +2415,7 @@
       </p:sp>
       <p:sp>
         <p:nvSpPr>
-          <p:cNvPr id="254" name="Google Shape;254;g7f46b63725_0_19:notes"/>
+          <p:cNvPr id="256" name="Google Shape;256;g7f46b63725_0_10:notes"/>
           <p:cNvSpPr txBox="1">
             <a:spLocks noGrp="1"/>
           </p:cNvSpPr>
@@ -2451,7 +2453,7 @@
       </p:sp>
       <p:sp>
         <p:nvSpPr>
-          <p:cNvPr id="255" name="Google Shape;255;g7f46b63725_0_19:notes"/>
+          <p:cNvPr id="257" name="Google Shape;257;g7f46b63725_0_10:notes"/>
           <p:cNvSpPr txBox="1">
             <a:spLocks noGrp="1"/>
           </p:cNvSpPr>
@@ -2522,7 +2524,48 @@
       </p:grpSpPr>
       <p:sp>
         <p:nvSpPr>
-          <p:cNvPr id="263" name="Google Shape;263;p10:notes"/>
+          <p:cNvPr id="263" name="Google Shape;263;g7f46b63725_0_19:notes"/>
+          <p:cNvSpPr>
+            <a:spLocks noGrp="1" noRot="1" noChangeAspect="1"/>
+          </p:cNvSpPr>
+          <p:nvPr>
+            <p:ph type="sldImg" idx="2"/>
+          </p:nvPr>
+        </p:nvSpPr>
+        <p:spPr>
+          <a:xfrm>
+            <a:off x="685800" y="1143000"/>
+            <a:ext cx="5486400" cy="3086100"/>
+          </a:xfrm>
+          <a:custGeom>
+            <a:avLst/>
+            <a:gdLst/>
+            <a:ahLst/>
+            <a:cxnLst/>
+            <a:rect l="l" t="t" r="r" b="b"/>
+            <a:pathLst>
+              <a:path w="120000" h="120000" extrusionOk="0">
+                <a:moveTo>
+                  <a:pt x="0" y="0"/>
+                </a:moveTo>
+                <a:lnTo>
+                  <a:pt x="120000" y="0"/>
+                </a:lnTo>
+                <a:lnTo>
+                  <a:pt x="120000" y="120000"/>
+                </a:lnTo>
+                <a:lnTo>
+                  <a:pt x="0" y="120000"/>
+                </a:lnTo>
+                <a:close/>
+              </a:path>
+            </a:pathLst>
+          </a:custGeom>
+        </p:spPr>
+      </p:sp>
+      <p:sp>
+        <p:nvSpPr>
+          <p:cNvPr id="264" name="Google Shape;264;g7f46b63725_0_19:notes"/>
           <p:cNvSpPr txBox="1">
             <a:spLocks noGrp="1"/>
           </p:cNvSpPr>
@@ -2533,7 +2576,7 @@
         <p:spPr>
           <a:xfrm>
             <a:off x="685800" y="4400550"/>
-            <a:ext cx="5486400" cy="3600450"/>
+            <a:ext cx="5486400" cy="3600600"/>
           </a:xfrm>
           <a:prstGeom prst="rect">
             <a:avLst/>
@@ -2560,7 +2603,116 @@
       </p:sp>
       <p:sp>
         <p:nvSpPr>
-          <p:cNvPr id="264" name="Google Shape;264;p10:notes"/>
+          <p:cNvPr id="265" name="Google Shape;265;g7f46b63725_0_19:notes"/>
+          <p:cNvSpPr txBox="1">
+            <a:spLocks noGrp="1"/>
+          </p:cNvSpPr>
+          <p:nvPr>
+            <p:ph type="sldNum" idx="12"/>
+          </p:nvPr>
+        </p:nvSpPr>
+        <p:spPr>
+          <a:xfrm>
+            <a:off x="3884613" y="8685213"/>
+            <a:ext cx="2971800" cy="458700"/>
+          </a:xfrm>
+          <a:prstGeom prst="rect">
+            <a:avLst/>
+          </a:prstGeom>
+        </p:spPr>
+        <p:txBody>
+          <a:bodyPr spcFirstLastPara="1" wrap="square" lIns="91425" tIns="45700" rIns="91425" bIns="45700" anchor="b" anchorCtr="0">
+            <a:noAutofit/>
+          </a:bodyPr>
+          <a:lstStyle/>
+          <a:p>
+            <a:pPr marL="0" lvl="0" indent="0" algn="r" rtl="0">
+              <a:spcBef>
+                <a:spcPts val="0"/>
+              </a:spcBef>
+              <a:spcAft>
+                <a:spcPts val="0"/>
+              </a:spcAft>
+              <a:buClr>
+                <a:srgbClr val="000000"/>
+              </a:buClr>
+              <a:buFont typeface="Arial"/>
+              <a:buNone/>
+            </a:pPr>
+            <a:fld id="{00000000-1234-1234-1234-123412341234}" type="slidenum">
+              <a:rPr lang="en-US"/>
+              <a:t>17</a:t>
+            </a:fld>
+            <a:endParaRPr/>
+          </a:p>
+        </p:txBody>
+      </p:sp>
+    </p:spTree>
+  </p:cSld>
+  <p:clrMapOvr>
+    <a:masterClrMapping/>
+  </p:clrMapOvr>
+</p:notes>
+</file>
+
+<file path=ppt/notesSlides/notesSlide18.xml><?xml version="1.0" encoding="utf-8"?>
+<p:notes xmlns:a="http://schemas.openxmlformats.org/drawingml/2006/main" xmlns:r="http://schemas.openxmlformats.org/officeDocument/2006/relationships" xmlns:p="http://schemas.openxmlformats.org/presentationml/2006/main" showMasterSp="0" showMasterPhAnim="0">
+  <p:cSld>
+    <p:spTree>
+      <p:nvGrpSpPr>
+        <p:cNvPr id="1" name="Shape 272"/>
+        <p:cNvGrpSpPr/>
+        <p:nvPr/>
+      </p:nvGrpSpPr>
+      <p:grpSpPr>
+        <a:xfrm>
+          <a:off x="0" y="0"/>
+          <a:ext cx="0" cy="0"/>
+          <a:chOff x="0" y="0"/>
+          <a:chExt cx="0" cy="0"/>
+        </a:xfrm>
+      </p:grpSpPr>
+      <p:sp>
+        <p:nvSpPr>
+          <p:cNvPr id="273" name="Google Shape;273;p10:notes"/>
+          <p:cNvSpPr txBox="1">
+            <a:spLocks noGrp="1"/>
+          </p:cNvSpPr>
+          <p:nvPr>
+            <p:ph type="body" idx="1"/>
+          </p:nvPr>
+        </p:nvSpPr>
+        <p:spPr>
+          <a:xfrm>
+            <a:off x="685800" y="4400550"/>
+            <a:ext cx="5486400" cy="3600450"/>
+          </a:xfrm>
+          <a:prstGeom prst="rect">
+            <a:avLst/>
+          </a:prstGeom>
+        </p:spPr>
+        <p:txBody>
+          <a:bodyPr spcFirstLastPara="1" wrap="square" lIns="91425" tIns="45700" rIns="91425" bIns="45700" anchor="t" anchorCtr="0">
+            <a:noAutofit/>
+          </a:bodyPr>
+          <a:lstStyle/>
+          <a:p>
+            <a:pPr marL="0" lvl="0" indent="0" algn="l" rtl="0">
+              <a:spcBef>
+                <a:spcPts val="0"/>
+              </a:spcBef>
+              <a:spcAft>
+                <a:spcPts val="0"/>
+              </a:spcAft>
+              <a:buNone/>
+            </a:pPr>
+            <a:endParaRPr/>
+          </a:p>
+        </p:txBody>
+      </p:sp>
+      <p:sp>
+        <p:nvSpPr>
+          <p:cNvPr id="274" name="Google Shape;274;p10:notes"/>
           <p:cNvSpPr>
             <a:spLocks noGrp="1" noRot="1" noChangeAspect="1"/>
           </p:cNvSpPr>
@@ -3492,7 +3644,45 @@
       </p:grpSpPr>
       <p:sp>
         <p:nvSpPr>
-          <p:cNvPr id="186" name="Google Shape;186;g7f46b63725_4_7:notes"/>
+          <p:cNvPr id="186" name="Google Shape;186;p5:notes"/>
+          <p:cNvSpPr txBox="1">
+            <a:spLocks noGrp="1"/>
+          </p:cNvSpPr>
+          <p:nvPr>
+            <p:ph type="body" idx="1"/>
+          </p:nvPr>
+        </p:nvSpPr>
+        <p:spPr>
+          <a:xfrm>
+            <a:off x="685800" y="4400550"/>
+            <a:ext cx="5486400" cy="3600450"/>
+          </a:xfrm>
+          <a:prstGeom prst="rect">
+            <a:avLst/>
+          </a:prstGeom>
+        </p:spPr>
+        <p:txBody>
+          <a:bodyPr spcFirstLastPara="1" wrap="square" lIns="91425" tIns="45700" rIns="91425" bIns="45700" anchor="t" anchorCtr="0">
+            <a:noAutofit/>
+          </a:bodyPr>
+          <a:lstStyle/>
+          <a:p>
+            <a:pPr marL="0" lvl="0" indent="0" algn="l" rtl="0">
+              <a:spcBef>
+                <a:spcPts val="0"/>
+              </a:spcBef>
+              <a:spcAft>
+                <a:spcPts val="0"/>
+              </a:spcAft>
+              <a:buNone/>
+            </a:pPr>
+            <a:endParaRPr/>
+          </a:p>
+        </p:txBody>
+      </p:sp>
+      <p:sp>
+        <p:nvSpPr>
+          <p:cNvPr id="187" name="Google Shape;187;p5:notes"/>
           <p:cNvSpPr>
             <a:spLocks noGrp="1" noRot="1" noChangeAspect="1"/>
           </p:cNvSpPr>
@@ -3530,86 +3720,6 @@
             </a:pathLst>
           </a:custGeom>
         </p:spPr>
-      </p:sp>
-      <p:sp>
-        <p:nvSpPr>
-          <p:cNvPr id="187" name="Google Shape;187;g7f46b63725_4_7:notes"/>
-          <p:cNvSpPr txBox="1">
-            <a:spLocks noGrp="1"/>
-          </p:cNvSpPr>
-          <p:nvPr>
-            <p:ph type="body" idx="1"/>
-          </p:nvPr>
-        </p:nvSpPr>
-        <p:spPr>
-          <a:xfrm>
-            <a:off x="685800" y="4400550"/>
-            <a:ext cx="5486400" cy="3600600"/>
-          </a:xfrm>
-          <a:prstGeom prst="rect">
-            <a:avLst/>
-          </a:prstGeom>
-        </p:spPr>
-        <p:txBody>
-          <a:bodyPr spcFirstLastPara="1" wrap="square" lIns="91425" tIns="45700" rIns="91425" bIns="45700" anchor="t" anchorCtr="0">
-            <a:noAutofit/>
-          </a:bodyPr>
-          <a:lstStyle/>
-          <a:p>
-            <a:pPr marL="0" lvl="0" indent="0" algn="l" rtl="0">
-              <a:spcBef>
-                <a:spcPts val="0"/>
-              </a:spcBef>
-              <a:spcAft>
-                <a:spcPts val="0"/>
-              </a:spcAft>
-              <a:buNone/>
-            </a:pPr>
-            <a:endParaRPr/>
-          </a:p>
-        </p:txBody>
-      </p:sp>
-      <p:sp>
-        <p:nvSpPr>
-          <p:cNvPr id="188" name="Google Shape;188;g7f46b63725_4_7:notes"/>
-          <p:cNvSpPr txBox="1">
-            <a:spLocks noGrp="1"/>
-          </p:cNvSpPr>
-          <p:nvPr>
-            <p:ph type="sldNum" idx="12"/>
-          </p:nvPr>
-        </p:nvSpPr>
-        <p:spPr>
-          <a:xfrm>
-            <a:off x="3884613" y="8685213"/>
-            <a:ext cx="2971800" cy="458700"/>
-          </a:xfrm>
-          <a:prstGeom prst="rect">
-            <a:avLst/>
-          </a:prstGeom>
-        </p:spPr>
-        <p:txBody>
-          <a:bodyPr spcFirstLastPara="1" wrap="square" lIns="91425" tIns="45700" rIns="91425" bIns="45700" anchor="b" anchorCtr="0">
-            <a:noAutofit/>
-          </a:bodyPr>
-          <a:lstStyle/>
-          <a:p>
-            <a:pPr marL="0" lvl="0" indent="0" algn="r" rtl="0">
-              <a:spcBef>
-                <a:spcPts val="0"/>
-              </a:spcBef>
-              <a:spcAft>
-                <a:spcPts val="0"/>
-              </a:spcAft>
-              <a:buNone/>
-            </a:pPr>
-            <a:fld id="{00000000-1234-1234-1234-123412341234}" type="slidenum">
-              <a:rPr lang="en-US"/>
-              <a:t>9</a:t>
-            </a:fld>
-            <a:endParaRPr/>
-          </a:p>
-        </p:txBody>
       </p:sp>
     </p:spTree>
   </p:cSld>
@@ -15696,7 +15806,7 @@
   <p:cSld>
     <p:spTree>
       <p:nvGrpSpPr>
-        <p:cNvPr id="1" name="Shape 200"/>
+        <p:cNvPr id="1" name="Shape 199"/>
         <p:cNvGrpSpPr/>
         <p:nvPr/>
       </p:nvGrpSpPr>
@@ -15710,18 +15820,18 @@
       </p:grpSpPr>
       <p:sp>
         <p:nvSpPr>
-          <p:cNvPr id="201" name="Google Shape;201;p22"/>
+          <p:cNvPr id="200" name="Google Shape;200;p22"/>
           <p:cNvSpPr txBox="1">
             <a:spLocks noGrp="1"/>
           </p:cNvSpPr>
           <p:nvPr>
-            <p:ph type="sldNum" idx="12"/>
+            <p:ph type="title"/>
           </p:nvPr>
         </p:nvSpPr>
         <p:spPr>
           <a:xfrm>
-            <a:off x="8540496" y="6356350"/>
-            <a:ext cx="2743200" cy="365100"/>
+            <a:off x="1115568" y="548640"/>
+            <a:ext cx="10168200" cy="1179600"/>
           </a:xfrm>
           <a:prstGeom prst="rect">
             <a:avLst/>
@@ -15733,23 +15843,61 @@
           </a:bodyPr>
           <a:lstStyle/>
           <a:p>
-            <a:pPr marL="0" lvl="0" indent="0" algn="r" rtl="0">
-              <a:spcBef>
-                <a:spcPts val="0"/>
-              </a:spcBef>
-              <a:spcAft>
-                <a:spcPts val="0"/>
-              </a:spcAft>
-              <a:buClr>
-                <a:srgbClr val="000000"/>
-              </a:buClr>
-              <a:buFont typeface="Arial"/>
+            <a:pPr marL="0" lvl="0" indent="0" algn="l" rtl="0">
+              <a:spcBef>
+                <a:spcPts val="0"/>
+              </a:spcBef>
+              <a:spcAft>
+                <a:spcPts val="0"/>
+              </a:spcAft>
               <a:buNone/>
             </a:pPr>
-            <a:fld id="{00000000-1234-1234-1234-123412341234}" type="slidenum">
+            <a:r>
               <a:rPr lang="en-US"/>
-              <a:t>10</a:t>
-            </a:fld>
+              <a:t>Trend of the Top Tech Companies Stocks</a:t>
+            </a:r>
+            <a:endParaRPr/>
+          </a:p>
+        </p:txBody>
+      </p:sp>
+      <p:sp>
+        <p:nvSpPr>
+          <p:cNvPr id="201" name="Google Shape;201;p22"/>
+          <p:cNvSpPr txBox="1">
+            <a:spLocks noGrp="1"/>
+          </p:cNvSpPr>
+          <p:nvPr>
+            <p:ph type="body" idx="1"/>
+          </p:nvPr>
+        </p:nvSpPr>
+        <p:spPr>
+          <a:xfrm>
+            <a:off x="1115568" y="2478024"/>
+            <a:ext cx="4937700" cy="3694200"/>
+          </a:xfrm>
+          <a:prstGeom prst="rect">
+            <a:avLst/>
+          </a:prstGeom>
+        </p:spPr>
+        <p:txBody>
+          <a:bodyPr spcFirstLastPara="1" wrap="square" lIns="91425" tIns="45700" rIns="91425" bIns="45700" anchor="t" anchorCtr="0">
+            <a:noAutofit/>
+          </a:bodyPr>
+          <a:lstStyle/>
+          <a:p>
+            <a:pPr marL="0" lvl="0" indent="0" algn="l" rtl="0">
+              <a:spcBef>
+                <a:spcPts val="1000"/>
+              </a:spcBef>
+              <a:spcAft>
+                <a:spcPts val="0"/>
+              </a:spcAft>
+              <a:buNone/>
+            </a:pPr>
+            <a:r>
+              <a:rPr lang="en-US"/>
+              <a:t>Tech Companies Stocks </a:t>
+            </a:r>
             <a:endParaRPr/>
           </a:p>
         </p:txBody>
@@ -15761,6 +15909,221 @@
             <a:spLocks noGrp="1"/>
           </p:cNvSpPr>
           <p:nvPr>
+            <p:ph type="sldNum" idx="12"/>
+          </p:nvPr>
+        </p:nvSpPr>
+        <p:spPr>
+          <a:xfrm>
+            <a:off x="8540496" y="6356350"/>
+            <a:ext cx="2743200" cy="365100"/>
+          </a:xfrm>
+          <a:prstGeom prst="rect">
+            <a:avLst/>
+          </a:prstGeom>
+        </p:spPr>
+        <p:txBody>
+          <a:bodyPr spcFirstLastPara="1" wrap="square" lIns="91425" tIns="45700" rIns="91425" bIns="45700" anchor="ctr" anchorCtr="0">
+            <a:noAutofit/>
+          </a:bodyPr>
+          <a:lstStyle/>
+          <a:p>
+            <a:pPr marL="0" lvl="0" indent="0" algn="r" rtl="0">
+              <a:spcBef>
+                <a:spcPts val="0"/>
+              </a:spcBef>
+              <a:spcAft>
+                <a:spcPts val="0"/>
+              </a:spcAft>
+              <a:buClr>
+                <a:srgbClr val="000000"/>
+              </a:buClr>
+              <a:buFont typeface="Arial"/>
+              <a:buNone/>
+            </a:pPr>
+            <a:fld id="{00000000-1234-1234-1234-123412341234}" type="slidenum">
+              <a:rPr lang="en-US"/>
+              <a:t>10</a:t>
+            </a:fld>
+            <a:endParaRPr/>
+          </a:p>
+        </p:txBody>
+      </p:sp>
+      <p:pic>
+        <p:nvPicPr>
+          <p:cNvPr id="203" name="Google Shape;203;p22"/>
+          <p:cNvPicPr preferRelativeResize="0"/>
+          <p:nvPr/>
+        </p:nvPicPr>
+        <p:blipFill>
+          <a:blip r:embed="rId3">
+            <a:alphaModFix/>
+          </a:blip>
+          <a:stretch>
+            <a:fillRect/>
+          </a:stretch>
+        </p:blipFill>
+        <p:spPr>
+          <a:xfrm>
+            <a:off x="902325" y="3225350"/>
+            <a:ext cx="5150950" cy="3237175"/>
+          </a:xfrm>
+          <a:prstGeom prst="rect">
+            <a:avLst/>
+          </a:prstGeom>
+          <a:noFill/>
+          <a:ln>
+            <a:noFill/>
+          </a:ln>
+        </p:spPr>
+      </p:pic>
+      <p:sp>
+        <p:nvSpPr>
+          <p:cNvPr id="204" name="Google Shape;204;p22"/>
+          <p:cNvSpPr txBox="1">
+            <a:spLocks noGrp="1"/>
+          </p:cNvSpPr>
+          <p:nvPr>
+            <p:ph type="body" idx="2"/>
+          </p:nvPr>
+        </p:nvSpPr>
+        <p:spPr>
+          <a:xfrm>
+            <a:off x="6345936" y="2478024"/>
+            <a:ext cx="4937700" cy="3694200"/>
+          </a:xfrm>
+          <a:prstGeom prst="rect">
+            <a:avLst/>
+          </a:prstGeom>
+        </p:spPr>
+        <p:txBody>
+          <a:bodyPr spcFirstLastPara="1" wrap="square" lIns="91425" tIns="45700" rIns="91425" bIns="45700" anchor="t" anchorCtr="0">
+            <a:noAutofit/>
+          </a:bodyPr>
+          <a:lstStyle/>
+          <a:p>
+            <a:pPr marL="0" lvl="0" indent="0" algn="l" rtl="0">
+              <a:spcBef>
+                <a:spcPts val="1000"/>
+              </a:spcBef>
+              <a:spcAft>
+                <a:spcPts val="0"/>
+              </a:spcAft>
+              <a:buNone/>
+            </a:pPr>
+            <a:r>
+              <a:rPr lang="en-US"/>
+              <a:t>Total Closing Stock  Analysis</a:t>
+            </a:r>
+            <a:endParaRPr/>
+          </a:p>
+        </p:txBody>
+      </p:sp>
+      <p:pic>
+        <p:nvPicPr>
+          <p:cNvPr id="205" name="Google Shape;205;p22"/>
+          <p:cNvPicPr preferRelativeResize="0"/>
+          <p:nvPr/>
+        </p:nvPicPr>
+        <p:blipFill>
+          <a:blip r:embed="rId4">
+            <a:alphaModFix/>
+          </a:blip>
+          <a:stretch>
+            <a:fillRect/>
+          </a:stretch>
+        </p:blipFill>
+        <p:spPr>
+          <a:xfrm>
+            <a:off x="6345925" y="3291400"/>
+            <a:ext cx="4829175" cy="2971550"/>
+          </a:xfrm>
+          <a:prstGeom prst="rect">
+            <a:avLst/>
+          </a:prstGeom>
+          <a:noFill/>
+          <a:ln>
+            <a:noFill/>
+          </a:ln>
+        </p:spPr>
+      </p:pic>
+    </p:spTree>
+  </p:cSld>
+  <p:clrMapOvr>
+    <a:masterClrMapping/>
+  </p:clrMapOvr>
+</p:sld>
+</file>
+
+<file path=ppt/slides/slide11.xml><?xml version="1.0" encoding="utf-8"?>
+<p:sld xmlns:a="http://schemas.openxmlformats.org/drawingml/2006/main" xmlns:r="http://schemas.openxmlformats.org/officeDocument/2006/relationships" xmlns:p="http://schemas.openxmlformats.org/presentationml/2006/main">
+  <p:cSld>
+    <p:spTree>
+      <p:nvGrpSpPr>
+        <p:cNvPr id="1" name="Shape 210"/>
+        <p:cNvGrpSpPr/>
+        <p:nvPr/>
+      </p:nvGrpSpPr>
+      <p:grpSpPr>
+        <a:xfrm>
+          <a:off x="0" y="0"/>
+          <a:ext cx="0" cy="0"/>
+          <a:chOff x="0" y="0"/>
+          <a:chExt cx="0" cy="0"/>
+        </a:xfrm>
+      </p:grpSpPr>
+      <p:sp>
+        <p:nvSpPr>
+          <p:cNvPr id="211" name="Google Shape;211;p23"/>
+          <p:cNvSpPr txBox="1">
+            <a:spLocks noGrp="1"/>
+          </p:cNvSpPr>
+          <p:nvPr>
+            <p:ph type="sldNum" idx="12"/>
+          </p:nvPr>
+        </p:nvSpPr>
+        <p:spPr>
+          <a:xfrm>
+            <a:off x="8540496" y="6356350"/>
+            <a:ext cx="2743200" cy="365100"/>
+          </a:xfrm>
+          <a:prstGeom prst="rect">
+            <a:avLst/>
+          </a:prstGeom>
+        </p:spPr>
+        <p:txBody>
+          <a:bodyPr spcFirstLastPara="1" wrap="square" lIns="91425" tIns="45700" rIns="91425" bIns="45700" anchor="ctr" anchorCtr="0">
+            <a:noAutofit/>
+          </a:bodyPr>
+          <a:lstStyle/>
+          <a:p>
+            <a:pPr marL="0" lvl="0" indent="0" algn="r" rtl="0">
+              <a:spcBef>
+                <a:spcPts val="0"/>
+              </a:spcBef>
+              <a:spcAft>
+                <a:spcPts val="0"/>
+              </a:spcAft>
+              <a:buClr>
+                <a:srgbClr val="000000"/>
+              </a:buClr>
+              <a:buFont typeface="Arial"/>
+              <a:buNone/>
+            </a:pPr>
+            <a:fld id="{00000000-1234-1234-1234-123412341234}" type="slidenum">
+              <a:rPr lang="en-US"/>
+              <a:t>11</a:t>
+            </a:fld>
+            <a:endParaRPr/>
+          </a:p>
+        </p:txBody>
+      </p:sp>
+      <p:sp>
+        <p:nvSpPr>
+          <p:cNvPr id="212" name="Google Shape;212;p23"/>
+          <p:cNvSpPr txBox="1">
+            <a:spLocks noGrp="1"/>
+          </p:cNvSpPr>
+          <p:nvPr>
             <p:ph type="title"/>
           </p:nvPr>
         </p:nvSpPr>
@@ -15798,7 +16161,7 @@
       </p:sp>
       <p:sp>
         <p:nvSpPr>
-          <p:cNvPr id="203" name="Google Shape;203;p22"/>
+          <p:cNvPr id="213" name="Google Shape;213;p23"/>
           <p:cNvSpPr txBox="1">
             <a:spLocks noGrp="1"/>
           </p:cNvSpPr>
@@ -15836,7 +16199,7 @@
       </p:sp>
       <p:sp>
         <p:nvSpPr>
-          <p:cNvPr id="204" name="Google Shape;204;p22"/>
+          <p:cNvPr id="214" name="Google Shape;214;p23"/>
           <p:cNvSpPr txBox="1">
             <a:spLocks noGrp="1"/>
           </p:cNvSpPr>
@@ -15959,7 +16322,7 @@
       </p:sp>
       <p:pic>
         <p:nvPicPr>
-          <p:cNvPr id="205" name="Google Shape;205;p22"/>
+          <p:cNvPr id="215" name="Google Shape;215;p23"/>
           <p:cNvPicPr preferRelativeResize="0"/>
           <p:nvPr/>
         </p:nvPicPr>
@@ -15986,7 +16349,7 @@
       </p:pic>
       <p:pic>
         <p:nvPicPr>
-          <p:cNvPr id="206" name="Google Shape;206;p22"/>
+          <p:cNvPr id="216" name="Google Shape;216;p23"/>
           <p:cNvPicPr preferRelativeResize="0"/>
           <p:nvPr/>
         </p:nvPicPr>
@@ -16002,331 +16365,6 @@
           <a:xfrm>
             <a:off x="370400" y="2109525"/>
             <a:ext cx="5682874" cy="4325950"/>
-          </a:xfrm>
-          <a:prstGeom prst="rect">
-            <a:avLst/>
-          </a:prstGeom>
-          <a:noFill/>
-          <a:ln>
-            <a:noFill/>
-          </a:ln>
-        </p:spPr>
-      </p:pic>
-    </p:spTree>
-  </p:cSld>
-  <p:clrMapOvr>
-    <a:masterClrMapping/>
-  </p:clrMapOvr>
-</p:sld>
-</file>
-
-<file path=ppt/slides/slide11.xml><?xml version="1.0" encoding="utf-8"?>
-<p:sld xmlns:a="http://schemas.openxmlformats.org/drawingml/2006/main" xmlns:r="http://schemas.openxmlformats.org/officeDocument/2006/relationships" xmlns:p="http://schemas.openxmlformats.org/presentationml/2006/main">
-  <p:cSld>
-    <p:spTree>
-      <p:nvGrpSpPr>
-        <p:cNvPr id="1" name="Shape 211"/>
-        <p:cNvGrpSpPr/>
-        <p:nvPr/>
-      </p:nvGrpSpPr>
-      <p:grpSpPr>
-        <a:xfrm>
-          <a:off x="0" y="0"/>
-          <a:ext cx="0" cy="0"/>
-          <a:chOff x="0" y="0"/>
-          <a:chExt cx="0" cy="0"/>
-        </a:xfrm>
-      </p:grpSpPr>
-      <p:sp>
-        <p:nvSpPr>
-          <p:cNvPr id="212" name="Google Shape;212;p23"/>
-          <p:cNvSpPr txBox="1">
-            <a:spLocks noGrp="1"/>
-          </p:cNvSpPr>
-          <p:nvPr>
-            <p:ph type="title"/>
-          </p:nvPr>
-        </p:nvSpPr>
-        <p:spPr>
-          <a:xfrm>
-            <a:off x="1115568" y="548640"/>
-            <a:ext cx="10168200" cy="1179600"/>
-          </a:xfrm>
-          <a:prstGeom prst="rect">
-            <a:avLst/>
-          </a:prstGeom>
-        </p:spPr>
-        <p:txBody>
-          <a:bodyPr spcFirstLastPara="1" wrap="square" lIns="91425" tIns="45700" rIns="91425" bIns="45700" anchor="ctr" anchorCtr="0">
-            <a:noAutofit/>
-          </a:bodyPr>
-          <a:lstStyle/>
-          <a:p>
-            <a:pPr marL="0" lvl="0" indent="0" algn="l" rtl="0">
-              <a:spcBef>
-                <a:spcPts val="0"/>
-              </a:spcBef>
-              <a:spcAft>
-                <a:spcPts val="0"/>
-              </a:spcAft>
-              <a:buNone/>
-            </a:pPr>
-            <a:r>
-              <a:rPr lang="en-US"/>
-              <a:t>Trend of Some of the Top Oil &amp; Gas Companies</a:t>
-            </a:r>
-            <a:endParaRPr/>
-          </a:p>
-        </p:txBody>
-      </p:sp>
-      <p:sp>
-        <p:nvSpPr>
-          <p:cNvPr id="213" name="Google Shape;213;p23"/>
-          <p:cNvSpPr txBox="1">
-            <a:spLocks noGrp="1"/>
-          </p:cNvSpPr>
-          <p:nvPr>
-            <p:ph type="body" idx="1"/>
-          </p:nvPr>
-        </p:nvSpPr>
-        <p:spPr>
-          <a:xfrm>
-            <a:off x="1115568" y="2372650"/>
-            <a:ext cx="4937700" cy="823800"/>
-          </a:xfrm>
-          <a:prstGeom prst="rect">
-            <a:avLst/>
-          </a:prstGeom>
-        </p:spPr>
-        <p:txBody>
-          <a:bodyPr spcFirstLastPara="1" wrap="square" lIns="91425" tIns="45700" rIns="91425" bIns="45700" anchor="b" anchorCtr="0">
-            <a:noAutofit/>
-          </a:bodyPr>
-          <a:lstStyle/>
-          <a:p>
-            <a:pPr marL="0" lvl="0" indent="0" algn="l" rtl="0">
-              <a:spcBef>
-                <a:spcPts val="1000"/>
-              </a:spcBef>
-              <a:spcAft>
-                <a:spcPts val="0"/>
-              </a:spcAft>
-              <a:buNone/>
-            </a:pPr>
-            <a:endParaRPr/>
-          </a:p>
-        </p:txBody>
-      </p:sp>
-      <p:sp>
-        <p:nvSpPr>
-          <p:cNvPr id="214" name="Google Shape;214;p23"/>
-          <p:cNvSpPr txBox="1">
-            <a:spLocks noGrp="1"/>
-          </p:cNvSpPr>
-          <p:nvPr>
-            <p:ph type="body" idx="2"/>
-          </p:nvPr>
-        </p:nvSpPr>
-        <p:spPr>
-          <a:xfrm>
-            <a:off x="1115568" y="3203688"/>
-            <a:ext cx="4937700" cy="2968500"/>
-          </a:xfrm>
-          <a:prstGeom prst="rect">
-            <a:avLst/>
-          </a:prstGeom>
-        </p:spPr>
-        <p:txBody>
-          <a:bodyPr spcFirstLastPara="1" wrap="square" lIns="91425" tIns="45700" rIns="91425" bIns="45700" anchor="t" anchorCtr="0">
-            <a:noAutofit/>
-          </a:bodyPr>
-          <a:lstStyle/>
-          <a:p>
-            <a:pPr marL="0" lvl="0" indent="0" algn="l" rtl="0">
-              <a:spcBef>
-                <a:spcPts val="1000"/>
-              </a:spcBef>
-              <a:spcAft>
-                <a:spcPts val="0"/>
-              </a:spcAft>
-              <a:buNone/>
-            </a:pPr>
-            <a:endParaRPr/>
-          </a:p>
-        </p:txBody>
-      </p:sp>
-      <p:sp>
-        <p:nvSpPr>
-          <p:cNvPr id="215" name="Google Shape;215;p23"/>
-          <p:cNvSpPr txBox="1">
-            <a:spLocks noGrp="1"/>
-          </p:cNvSpPr>
-          <p:nvPr>
-            <p:ph type="sldNum" idx="12"/>
-          </p:nvPr>
-        </p:nvSpPr>
-        <p:spPr>
-          <a:xfrm>
-            <a:off x="8540496" y="6356350"/>
-            <a:ext cx="2743200" cy="365100"/>
-          </a:xfrm>
-          <a:prstGeom prst="rect">
-            <a:avLst/>
-          </a:prstGeom>
-        </p:spPr>
-        <p:txBody>
-          <a:bodyPr spcFirstLastPara="1" wrap="square" lIns="91425" tIns="45700" rIns="91425" bIns="45700" anchor="ctr" anchorCtr="0">
-            <a:noAutofit/>
-          </a:bodyPr>
-          <a:lstStyle/>
-          <a:p>
-            <a:pPr marL="0" lvl="0" indent="0" algn="r" rtl="0">
-              <a:spcBef>
-                <a:spcPts val="0"/>
-              </a:spcBef>
-              <a:spcAft>
-                <a:spcPts val="0"/>
-              </a:spcAft>
-              <a:buClr>
-                <a:srgbClr val="000000"/>
-              </a:buClr>
-              <a:buFont typeface="Arial"/>
-              <a:buNone/>
-            </a:pPr>
-            <a:fld id="{00000000-1234-1234-1234-123412341234}" type="slidenum">
-              <a:rPr lang="en-US"/>
-              <a:t>11</a:t>
-            </a:fld>
-            <a:endParaRPr/>
-          </a:p>
-        </p:txBody>
-      </p:sp>
-      <p:pic>
-        <p:nvPicPr>
-          <p:cNvPr id="216" name="Google Shape;216;p23"/>
-          <p:cNvPicPr preferRelativeResize="0"/>
-          <p:nvPr/>
-        </p:nvPicPr>
-        <p:blipFill>
-          <a:blip r:embed="rId3">
-            <a:alphaModFix/>
-          </a:blip>
-          <a:stretch>
-            <a:fillRect/>
-          </a:stretch>
-        </p:blipFill>
-        <p:spPr>
-          <a:xfrm>
-            <a:off x="644175" y="3196450"/>
-            <a:ext cx="5002875" cy="3638550"/>
-          </a:xfrm>
-          <a:prstGeom prst="rect">
-            <a:avLst/>
-          </a:prstGeom>
-          <a:noFill/>
-          <a:ln>
-            <a:noFill/>
-          </a:ln>
-        </p:spPr>
-      </p:pic>
-      <p:sp>
-        <p:nvSpPr>
-          <p:cNvPr id="217" name="Google Shape;217;p23"/>
-          <p:cNvSpPr txBox="1">
-            <a:spLocks noGrp="1"/>
-          </p:cNvSpPr>
-          <p:nvPr>
-            <p:ph type="body" idx="3"/>
-          </p:nvPr>
-        </p:nvSpPr>
-        <p:spPr>
-          <a:xfrm>
-            <a:off x="6345936" y="2372650"/>
-            <a:ext cx="4937700" cy="823800"/>
-          </a:xfrm>
-          <a:prstGeom prst="rect">
-            <a:avLst/>
-          </a:prstGeom>
-        </p:spPr>
-        <p:txBody>
-          <a:bodyPr spcFirstLastPara="1" wrap="square" lIns="91425" tIns="45700" rIns="91425" bIns="45700" anchor="b" anchorCtr="0">
-            <a:noAutofit/>
-          </a:bodyPr>
-          <a:lstStyle/>
-          <a:p>
-            <a:pPr marL="0" lvl="0" indent="0" algn="l" rtl="0">
-              <a:spcBef>
-                <a:spcPts val="1000"/>
-              </a:spcBef>
-              <a:spcAft>
-                <a:spcPts val="0"/>
-              </a:spcAft>
-              <a:buNone/>
-            </a:pPr>
-            <a:r>
-              <a:rPr lang="en-US"/>
-              <a:t>Total Closing Prices of the Oil &amp; Gas </a:t>
-            </a:r>
-            <a:endParaRPr/>
-          </a:p>
-        </p:txBody>
-      </p:sp>
-      <p:sp>
-        <p:nvSpPr>
-          <p:cNvPr id="218" name="Google Shape;218;p23"/>
-          <p:cNvSpPr txBox="1">
-            <a:spLocks noGrp="1"/>
-          </p:cNvSpPr>
-          <p:nvPr>
-            <p:ph type="body" idx="4"/>
-          </p:nvPr>
-        </p:nvSpPr>
-        <p:spPr>
-          <a:xfrm>
-            <a:off x="6345925" y="3758302"/>
-            <a:ext cx="4937700" cy="2413800"/>
-          </a:xfrm>
-          <a:prstGeom prst="rect">
-            <a:avLst/>
-          </a:prstGeom>
-        </p:spPr>
-        <p:txBody>
-          <a:bodyPr spcFirstLastPara="1" wrap="square" lIns="91425" tIns="45700" rIns="91425" bIns="45700" anchor="t" anchorCtr="0">
-            <a:noAutofit/>
-          </a:bodyPr>
-          <a:lstStyle/>
-          <a:p>
-            <a:pPr marL="0" lvl="0" indent="0" algn="l" rtl="0">
-              <a:spcBef>
-                <a:spcPts val="1000"/>
-              </a:spcBef>
-              <a:spcAft>
-                <a:spcPts val="0"/>
-              </a:spcAft>
-              <a:buNone/>
-            </a:pPr>
-            <a:endParaRPr/>
-          </a:p>
-        </p:txBody>
-      </p:sp>
-      <p:pic>
-        <p:nvPicPr>
-          <p:cNvPr id="219" name="Google Shape;219;p23"/>
-          <p:cNvPicPr preferRelativeResize="0"/>
-          <p:nvPr/>
-        </p:nvPicPr>
-        <p:blipFill>
-          <a:blip r:embed="rId4">
-            <a:alphaModFix/>
-          </a:blip>
-          <a:stretch>
-            <a:fillRect/>
-          </a:stretch>
-        </p:blipFill>
-        <p:spPr>
-          <a:xfrm>
-            <a:off x="5848100" y="3145925"/>
-            <a:ext cx="5597825" cy="3638550"/>
           </a:xfrm>
           <a:prstGeom prst="rect">
             <a:avLst/>
@@ -16350,7 +16388,7 @@
   <p:cSld>
     <p:spTree>
       <p:nvGrpSpPr>
-        <p:cNvPr id="1" name="Shape 224"/>
+        <p:cNvPr id="1" name="Shape 221"/>
         <p:cNvGrpSpPr/>
         <p:nvPr/>
       </p:nvGrpSpPr>
@@ -16364,7 +16402,332 @@
       </p:grpSpPr>
       <p:sp>
         <p:nvSpPr>
+          <p:cNvPr id="222" name="Google Shape;222;p24"/>
+          <p:cNvSpPr txBox="1">
+            <a:spLocks noGrp="1"/>
+          </p:cNvSpPr>
+          <p:nvPr>
+            <p:ph type="title"/>
+          </p:nvPr>
+        </p:nvSpPr>
+        <p:spPr>
+          <a:xfrm>
+            <a:off x="1115568" y="548640"/>
+            <a:ext cx="10168200" cy="1179600"/>
+          </a:xfrm>
+          <a:prstGeom prst="rect">
+            <a:avLst/>
+          </a:prstGeom>
+        </p:spPr>
+        <p:txBody>
+          <a:bodyPr spcFirstLastPara="1" wrap="square" lIns="91425" tIns="45700" rIns="91425" bIns="45700" anchor="ctr" anchorCtr="0">
+            <a:noAutofit/>
+          </a:bodyPr>
+          <a:lstStyle/>
+          <a:p>
+            <a:pPr marL="0" lvl="0" indent="0" algn="l" rtl="0">
+              <a:spcBef>
+                <a:spcPts val="0"/>
+              </a:spcBef>
+              <a:spcAft>
+                <a:spcPts val="0"/>
+              </a:spcAft>
+              <a:buNone/>
+            </a:pPr>
+            <a:r>
+              <a:rPr lang="en-US"/>
+              <a:t>Trend of Some of the Top Oil &amp; Gas Companies</a:t>
+            </a:r>
+            <a:endParaRPr/>
+          </a:p>
+        </p:txBody>
+      </p:sp>
+      <p:sp>
+        <p:nvSpPr>
+          <p:cNvPr id="223" name="Google Shape;223;p24"/>
+          <p:cNvSpPr txBox="1">
+            <a:spLocks noGrp="1"/>
+          </p:cNvSpPr>
+          <p:nvPr>
+            <p:ph type="body" idx="1"/>
+          </p:nvPr>
+        </p:nvSpPr>
+        <p:spPr>
+          <a:xfrm>
+            <a:off x="1115568" y="2372650"/>
+            <a:ext cx="4937700" cy="823800"/>
+          </a:xfrm>
+          <a:prstGeom prst="rect">
+            <a:avLst/>
+          </a:prstGeom>
+        </p:spPr>
+        <p:txBody>
+          <a:bodyPr spcFirstLastPara="1" wrap="square" lIns="91425" tIns="45700" rIns="91425" bIns="45700" anchor="b" anchorCtr="0">
+            <a:noAutofit/>
+          </a:bodyPr>
+          <a:lstStyle/>
+          <a:p>
+            <a:pPr marL="0" lvl="0" indent="0" algn="l" rtl="0">
+              <a:spcBef>
+                <a:spcPts val="1000"/>
+              </a:spcBef>
+              <a:spcAft>
+                <a:spcPts val="0"/>
+              </a:spcAft>
+              <a:buNone/>
+            </a:pPr>
+            <a:endParaRPr/>
+          </a:p>
+        </p:txBody>
+      </p:sp>
+      <p:sp>
+        <p:nvSpPr>
+          <p:cNvPr id="224" name="Google Shape;224;p24"/>
+          <p:cNvSpPr txBox="1">
+            <a:spLocks noGrp="1"/>
+          </p:cNvSpPr>
+          <p:nvPr>
+            <p:ph type="body" idx="2"/>
+          </p:nvPr>
+        </p:nvSpPr>
+        <p:spPr>
+          <a:xfrm>
+            <a:off x="1115568" y="3203688"/>
+            <a:ext cx="4937700" cy="2968500"/>
+          </a:xfrm>
+          <a:prstGeom prst="rect">
+            <a:avLst/>
+          </a:prstGeom>
+        </p:spPr>
+        <p:txBody>
+          <a:bodyPr spcFirstLastPara="1" wrap="square" lIns="91425" tIns="45700" rIns="91425" bIns="45700" anchor="t" anchorCtr="0">
+            <a:noAutofit/>
+          </a:bodyPr>
+          <a:lstStyle/>
+          <a:p>
+            <a:pPr marL="0" lvl="0" indent="0" algn="l" rtl="0">
+              <a:spcBef>
+                <a:spcPts val="1000"/>
+              </a:spcBef>
+              <a:spcAft>
+                <a:spcPts val="0"/>
+              </a:spcAft>
+              <a:buNone/>
+            </a:pPr>
+            <a:endParaRPr/>
+          </a:p>
+        </p:txBody>
+      </p:sp>
+      <p:sp>
+        <p:nvSpPr>
           <p:cNvPr id="225" name="Google Shape;225;p24"/>
+          <p:cNvSpPr txBox="1">
+            <a:spLocks noGrp="1"/>
+          </p:cNvSpPr>
+          <p:nvPr>
+            <p:ph type="sldNum" idx="12"/>
+          </p:nvPr>
+        </p:nvSpPr>
+        <p:spPr>
+          <a:xfrm>
+            <a:off x="8540496" y="6356350"/>
+            <a:ext cx="2743200" cy="365100"/>
+          </a:xfrm>
+          <a:prstGeom prst="rect">
+            <a:avLst/>
+          </a:prstGeom>
+        </p:spPr>
+        <p:txBody>
+          <a:bodyPr spcFirstLastPara="1" wrap="square" lIns="91425" tIns="45700" rIns="91425" bIns="45700" anchor="ctr" anchorCtr="0">
+            <a:noAutofit/>
+          </a:bodyPr>
+          <a:lstStyle/>
+          <a:p>
+            <a:pPr marL="0" lvl="0" indent="0" algn="r" rtl="0">
+              <a:spcBef>
+                <a:spcPts val="0"/>
+              </a:spcBef>
+              <a:spcAft>
+                <a:spcPts val="0"/>
+              </a:spcAft>
+              <a:buClr>
+                <a:srgbClr val="000000"/>
+              </a:buClr>
+              <a:buFont typeface="Arial"/>
+              <a:buNone/>
+            </a:pPr>
+            <a:fld id="{00000000-1234-1234-1234-123412341234}" type="slidenum">
+              <a:rPr lang="en-US"/>
+              <a:t>12</a:t>
+            </a:fld>
+            <a:endParaRPr/>
+          </a:p>
+        </p:txBody>
+      </p:sp>
+      <p:pic>
+        <p:nvPicPr>
+          <p:cNvPr id="226" name="Google Shape;226;p24"/>
+          <p:cNvPicPr preferRelativeResize="0"/>
+          <p:nvPr/>
+        </p:nvPicPr>
+        <p:blipFill>
+          <a:blip r:embed="rId3">
+            <a:alphaModFix/>
+          </a:blip>
+          <a:stretch>
+            <a:fillRect/>
+          </a:stretch>
+        </p:blipFill>
+        <p:spPr>
+          <a:xfrm>
+            <a:off x="644175" y="3196450"/>
+            <a:ext cx="5002875" cy="3638550"/>
+          </a:xfrm>
+          <a:prstGeom prst="rect">
+            <a:avLst/>
+          </a:prstGeom>
+          <a:noFill/>
+          <a:ln>
+            <a:noFill/>
+          </a:ln>
+        </p:spPr>
+      </p:pic>
+      <p:sp>
+        <p:nvSpPr>
+          <p:cNvPr id="227" name="Google Shape;227;p24"/>
+          <p:cNvSpPr txBox="1">
+            <a:spLocks noGrp="1"/>
+          </p:cNvSpPr>
+          <p:nvPr>
+            <p:ph type="body" idx="3"/>
+          </p:nvPr>
+        </p:nvSpPr>
+        <p:spPr>
+          <a:xfrm>
+            <a:off x="6345936" y="2372650"/>
+            <a:ext cx="4937700" cy="823800"/>
+          </a:xfrm>
+          <a:prstGeom prst="rect">
+            <a:avLst/>
+          </a:prstGeom>
+        </p:spPr>
+        <p:txBody>
+          <a:bodyPr spcFirstLastPara="1" wrap="square" lIns="91425" tIns="45700" rIns="91425" bIns="45700" anchor="b" anchorCtr="0">
+            <a:noAutofit/>
+          </a:bodyPr>
+          <a:lstStyle/>
+          <a:p>
+            <a:pPr marL="0" lvl="0" indent="0" algn="l" rtl="0">
+              <a:spcBef>
+                <a:spcPts val="1000"/>
+              </a:spcBef>
+              <a:spcAft>
+                <a:spcPts val="0"/>
+              </a:spcAft>
+              <a:buNone/>
+            </a:pPr>
+            <a:r>
+              <a:rPr lang="en-US"/>
+              <a:t>Total Closing Prices of the Oil &amp; Gas </a:t>
+            </a:r>
+            <a:endParaRPr/>
+          </a:p>
+        </p:txBody>
+      </p:sp>
+      <p:sp>
+        <p:nvSpPr>
+          <p:cNvPr id="228" name="Google Shape;228;p24"/>
+          <p:cNvSpPr txBox="1">
+            <a:spLocks noGrp="1"/>
+          </p:cNvSpPr>
+          <p:nvPr>
+            <p:ph type="body" idx="4"/>
+          </p:nvPr>
+        </p:nvSpPr>
+        <p:spPr>
+          <a:xfrm>
+            <a:off x="6345925" y="3758302"/>
+            <a:ext cx="4937700" cy="2413800"/>
+          </a:xfrm>
+          <a:prstGeom prst="rect">
+            <a:avLst/>
+          </a:prstGeom>
+        </p:spPr>
+        <p:txBody>
+          <a:bodyPr spcFirstLastPara="1" wrap="square" lIns="91425" tIns="45700" rIns="91425" bIns="45700" anchor="t" anchorCtr="0">
+            <a:noAutofit/>
+          </a:bodyPr>
+          <a:lstStyle/>
+          <a:p>
+            <a:pPr marL="0" lvl="0" indent="0" algn="l" rtl="0">
+              <a:spcBef>
+                <a:spcPts val="1000"/>
+              </a:spcBef>
+              <a:spcAft>
+                <a:spcPts val="0"/>
+              </a:spcAft>
+              <a:buNone/>
+            </a:pPr>
+            <a:endParaRPr/>
+          </a:p>
+        </p:txBody>
+      </p:sp>
+      <p:pic>
+        <p:nvPicPr>
+          <p:cNvPr id="229" name="Google Shape;229;p24"/>
+          <p:cNvPicPr preferRelativeResize="0"/>
+          <p:nvPr/>
+        </p:nvPicPr>
+        <p:blipFill>
+          <a:blip r:embed="rId4">
+            <a:alphaModFix/>
+          </a:blip>
+          <a:stretch>
+            <a:fillRect/>
+          </a:stretch>
+        </p:blipFill>
+        <p:spPr>
+          <a:xfrm>
+            <a:off x="5848100" y="3145925"/>
+            <a:ext cx="5597825" cy="3638550"/>
+          </a:xfrm>
+          <a:prstGeom prst="rect">
+            <a:avLst/>
+          </a:prstGeom>
+          <a:noFill/>
+          <a:ln>
+            <a:noFill/>
+          </a:ln>
+        </p:spPr>
+      </p:pic>
+    </p:spTree>
+  </p:cSld>
+  <p:clrMapOvr>
+    <a:masterClrMapping/>
+  </p:clrMapOvr>
+</p:sld>
+</file>
+
+<file path=ppt/slides/slide13.xml><?xml version="1.0" encoding="utf-8"?>
+<p:sld xmlns:a="http://schemas.openxmlformats.org/drawingml/2006/main" xmlns:r="http://schemas.openxmlformats.org/officeDocument/2006/relationships" xmlns:p="http://schemas.openxmlformats.org/presentationml/2006/main">
+  <p:cSld>
+    <p:spTree>
+      <p:nvGrpSpPr>
+        <p:cNvPr id="1" name="Shape 234"/>
+        <p:cNvGrpSpPr/>
+        <p:nvPr/>
+      </p:nvGrpSpPr>
+      <p:grpSpPr>
+        <a:xfrm>
+          <a:off x="0" y="0"/>
+          <a:ext cx="0" cy="0"/>
+          <a:chOff x="0" y="0"/>
+          <a:chExt cx="0" cy="0"/>
+        </a:xfrm>
+      </p:grpSpPr>
+      <p:sp>
+        <p:nvSpPr>
+          <p:cNvPr id="235" name="Google Shape;235;p25"/>
           <p:cNvSpPr txBox="1">
             <a:spLocks noGrp="1"/>
           </p:cNvSpPr>
@@ -16406,7 +16769,7 @@
       </p:sp>
       <p:sp>
         <p:nvSpPr>
-          <p:cNvPr id="226" name="Google Shape;226;p24"/>
+          <p:cNvPr id="236" name="Google Shape;236;p25"/>
           <p:cNvSpPr txBox="1">
             <a:spLocks noGrp="1"/>
           </p:cNvSpPr>
@@ -16444,7 +16807,7 @@
       </p:sp>
       <p:sp>
         <p:nvSpPr>
-          <p:cNvPr id="227" name="Google Shape;227;p24"/>
+          <p:cNvPr id="237" name="Google Shape;237;p25"/>
           <p:cNvSpPr txBox="1">
             <a:spLocks noGrp="1"/>
           </p:cNvSpPr>
@@ -16579,7 +16942,7 @@
       </p:sp>
       <p:sp>
         <p:nvSpPr>
-          <p:cNvPr id="228" name="Google Shape;228;p24"/>
+          <p:cNvPr id="238" name="Google Shape;238;p25"/>
           <p:cNvSpPr txBox="1">
             <a:spLocks noGrp="1"/>
           </p:cNvSpPr>
@@ -16617,7 +16980,7 @@
             </a:pPr>
             <a:fld id="{00000000-1234-1234-1234-123412341234}" type="slidenum">
               <a:rPr lang="en-US"/>
-              <a:t>12</a:t>
+              <a:t>13</a:t>
             </a:fld>
             <a:endParaRPr/>
           </a:p>
@@ -16625,7 +16988,7 @@
       </p:sp>
       <p:pic>
         <p:nvPicPr>
-          <p:cNvPr id="229" name="Google Shape;229;p24"/>
+          <p:cNvPr id="239" name="Google Shape;239;p25"/>
           <p:cNvPicPr preferRelativeResize="0"/>
           <p:nvPr/>
         </p:nvPicPr>
@@ -16641,158 +17004,6 @@
           <a:xfrm>
             <a:off x="481138" y="2312463"/>
             <a:ext cx="5572125" cy="3762375"/>
-          </a:xfrm>
-          <a:prstGeom prst="rect">
-            <a:avLst/>
-          </a:prstGeom>
-          <a:noFill/>
-          <a:ln>
-            <a:noFill/>
-          </a:ln>
-        </p:spPr>
-      </p:pic>
-    </p:spTree>
-  </p:cSld>
-  <p:clrMapOvr>
-    <a:masterClrMapping/>
-  </p:clrMapOvr>
-</p:sld>
-</file>
-
-<file path=ppt/slides/slide13.xml><?xml version="1.0" encoding="utf-8"?>
-<p:sld xmlns:a="http://schemas.openxmlformats.org/drawingml/2006/main" xmlns:r="http://schemas.openxmlformats.org/officeDocument/2006/relationships" xmlns:p="http://schemas.openxmlformats.org/presentationml/2006/main">
-  <p:cSld>
-    <p:spTree>
-      <p:nvGrpSpPr>
-        <p:cNvPr id="1" name="Shape 233"/>
-        <p:cNvGrpSpPr/>
-        <p:nvPr/>
-      </p:nvGrpSpPr>
-      <p:grpSpPr>
-        <a:xfrm>
-          <a:off x="0" y="0"/>
-          <a:ext cx="0" cy="0"/>
-          <a:chOff x="0" y="0"/>
-          <a:chExt cx="0" cy="0"/>
-        </a:xfrm>
-      </p:grpSpPr>
-      <p:sp>
-        <p:nvSpPr>
-          <p:cNvPr id="234" name="Google Shape;234;p25"/>
-          <p:cNvSpPr txBox="1">
-            <a:spLocks noGrp="1"/>
-          </p:cNvSpPr>
-          <p:nvPr>
-            <p:ph type="title"/>
-          </p:nvPr>
-        </p:nvSpPr>
-        <p:spPr>
-          <a:xfrm>
-            <a:off x="1115568" y="548640"/>
-            <a:ext cx="10168128" cy="1179576"/>
-          </a:xfrm>
-          <a:prstGeom prst="rect">
-            <a:avLst/>
-          </a:prstGeom>
-          <a:noFill/>
-          <a:ln>
-            <a:noFill/>
-          </a:ln>
-        </p:spPr>
-        <p:txBody>
-          <a:bodyPr spcFirstLastPara="1" wrap="square" lIns="91425" tIns="45700" rIns="91425" bIns="45700" anchor="ctr" anchorCtr="0">
-            <a:noAutofit/>
-          </a:bodyPr>
-          <a:lstStyle/>
-          <a:p>
-            <a:pPr marL="0" lvl="0" indent="0" algn="l" rtl="0">
-              <a:lnSpc>
-                <a:spcPct val="90000"/>
-              </a:lnSpc>
-              <a:spcBef>
-                <a:spcPts val="0"/>
-              </a:spcBef>
-              <a:spcAft>
-                <a:spcPts val="0"/>
-              </a:spcAft>
-              <a:buClr>
-                <a:schemeClr val="dk1"/>
-              </a:buClr>
-              <a:buSzPts val="4000"/>
-              <a:buFont typeface="Avenir"/>
-              <a:buNone/>
-            </a:pPr>
-            <a:r>
-              <a:rPr lang="en-US"/>
-              <a:t>Timeline Coronavirus Cases China vs. U.S</a:t>
-            </a:r>
-            <a:endParaRPr/>
-          </a:p>
-        </p:txBody>
-      </p:sp>
-      <p:sp>
-        <p:nvSpPr>
-          <p:cNvPr id="235" name="Google Shape;235;p25"/>
-          <p:cNvSpPr txBox="1">
-            <a:spLocks noGrp="1"/>
-          </p:cNvSpPr>
-          <p:nvPr>
-            <p:ph type="sldNum" idx="12"/>
-          </p:nvPr>
-        </p:nvSpPr>
-        <p:spPr>
-          <a:xfrm>
-            <a:off x="8540496" y="6356350"/>
-            <a:ext cx="2743200" cy="365125"/>
-          </a:xfrm>
-          <a:prstGeom prst="rect">
-            <a:avLst/>
-          </a:prstGeom>
-          <a:noFill/>
-          <a:ln>
-            <a:noFill/>
-          </a:ln>
-        </p:spPr>
-        <p:txBody>
-          <a:bodyPr spcFirstLastPara="1" wrap="square" lIns="91425" tIns="45700" rIns="91425" bIns="45700" anchor="ctr" anchorCtr="0">
-            <a:noAutofit/>
-          </a:bodyPr>
-          <a:lstStyle/>
-          <a:p>
-            <a:pPr marL="0" lvl="0" indent="0" algn="r" rtl="0">
-              <a:spcBef>
-                <a:spcPts val="0"/>
-              </a:spcBef>
-              <a:spcAft>
-                <a:spcPts val="0"/>
-              </a:spcAft>
-              <a:buNone/>
-            </a:pPr>
-            <a:fld id="{00000000-1234-1234-1234-123412341234}" type="slidenum">
-              <a:rPr lang="en-US"/>
-              <a:t>13</a:t>
-            </a:fld>
-            <a:endParaRPr/>
-          </a:p>
-        </p:txBody>
-      </p:sp>
-      <p:pic>
-        <p:nvPicPr>
-          <p:cNvPr id="236" name="Google Shape;236;p25"/>
-          <p:cNvPicPr preferRelativeResize="0"/>
-          <p:nvPr/>
-        </p:nvPicPr>
-        <p:blipFill rotWithShape="1">
-          <a:blip r:embed="rId3">
-            <a:alphaModFix/>
-          </a:blip>
-          <a:srcRect/>
-          <a:stretch/>
-        </p:blipFill>
-        <p:spPr>
-          <a:xfrm>
-            <a:off x="1628383" y="2163245"/>
-            <a:ext cx="8730641" cy="4146115"/>
           </a:xfrm>
           <a:prstGeom prst="rect">
             <a:avLst/>
@@ -16816,7 +17027,7 @@
   <p:cSld>
     <p:spTree>
       <p:nvGrpSpPr>
-        <p:cNvPr id="1" name="Shape 240"/>
+        <p:cNvPr id="1" name="Shape 243"/>
         <p:cNvGrpSpPr/>
         <p:nvPr/>
       </p:nvGrpSpPr>
@@ -16830,7 +17041,7 @@
       </p:grpSpPr>
       <p:sp>
         <p:nvSpPr>
-          <p:cNvPr id="241" name="Google Shape;241;p26"/>
+          <p:cNvPr id="244" name="Google Shape;244;p26"/>
           <p:cNvSpPr txBox="1">
             <a:spLocks noGrp="1"/>
           </p:cNvSpPr>
@@ -16876,7 +17087,7 @@
             </a:pPr>
             <a:r>
               <a:rPr lang="en-US"/>
-              <a:t>Timeline Coronavirus Cases Italy vs. U.S</a:t>
+              <a:t>Timeline Coronavirus Cases China vs. U.S</a:t>
             </a:r>
             <a:endParaRPr/>
           </a:p>
@@ -16884,7 +17095,7 @@
       </p:sp>
       <p:sp>
         <p:nvSpPr>
-          <p:cNvPr id="242" name="Google Shape;242;p26"/>
+          <p:cNvPr id="245" name="Google Shape;245;p26"/>
           <p:cNvSpPr txBox="1">
             <a:spLocks noGrp="1"/>
           </p:cNvSpPr>
@@ -16930,7 +17141,7 @@
       </p:sp>
       <p:pic>
         <p:nvPicPr>
-          <p:cNvPr id="243" name="Google Shape;243;p26"/>
+          <p:cNvPr id="246" name="Google Shape;246;p26"/>
           <p:cNvPicPr preferRelativeResize="0"/>
           <p:nvPr/>
         </p:nvPicPr>
@@ -16943,8 +17154,8 @@
         </p:blipFill>
         <p:spPr>
           <a:xfrm>
-            <a:off x="371068" y="2096325"/>
-            <a:ext cx="9780900" cy="3981300"/>
+            <a:off x="1628383" y="2163245"/>
+            <a:ext cx="8730641" cy="4146115"/>
           </a:xfrm>
           <a:prstGeom prst="rect">
             <a:avLst/>
@@ -16968,7 +17179,7 @@
   <p:cSld>
     <p:spTree>
       <p:nvGrpSpPr>
-        <p:cNvPr id="1" name="Shape 248"/>
+        <p:cNvPr id="1" name="Shape 250"/>
         <p:cNvGrpSpPr/>
         <p:nvPr/>
       </p:nvGrpSpPr>
@@ -16982,7 +17193,7 @@
       </p:grpSpPr>
       <p:sp>
         <p:nvSpPr>
-          <p:cNvPr id="249" name="Google Shape;249;p27"/>
+          <p:cNvPr id="251" name="Google Shape;251;p27"/>
           <p:cNvSpPr txBox="1">
             <a:spLocks noGrp="1"/>
           </p:cNvSpPr>
@@ -16993,11 +17204,15 @@
         <p:spPr>
           <a:xfrm>
             <a:off x="1115568" y="548640"/>
-            <a:ext cx="10168200" cy="1179600"/>
+            <a:ext cx="10168128" cy="1179576"/>
           </a:xfrm>
           <a:prstGeom prst="rect">
             <a:avLst/>
           </a:prstGeom>
+          <a:noFill/>
+          <a:ln>
+            <a:noFill/>
+          </a:ln>
         </p:spPr>
         <p:txBody>
           <a:bodyPr spcFirstLastPara="1" wrap="square" lIns="91425" tIns="45700" rIns="91425" bIns="45700" anchor="ctr" anchorCtr="0">
@@ -17006,17 +17221,25 @@
           <a:lstStyle/>
           <a:p>
             <a:pPr marL="0" lvl="0" indent="0" algn="l" rtl="0">
-              <a:spcBef>
-                <a:spcPts val="0"/>
-              </a:spcBef>
-              <a:spcAft>
-                <a:spcPts val="0"/>
-              </a:spcAft>
+              <a:lnSpc>
+                <a:spcPct val="90000"/>
+              </a:lnSpc>
+              <a:spcBef>
+                <a:spcPts val="0"/>
+              </a:spcBef>
+              <a:spcAft>
+                <a:spcPts val="0"/>
+              </a:spcAft>
+              <a:buClr>
+                <a:schemeClr val="dk1"/>
+              </a:buClr>
+              <a:buSzPts val="4000"/>
+              <a:buFont typeface="Avenir"/>
               <a:buNone/>
             </a:pPr>
             <a:r>
               <a:rPr lang="en-US"/>
-              <a:t>Comparison of Deaths in China, US, Italy, and Iran</a:t>
+              <a:t>Timeline Coronavirus Cases Italy vs. U.S</a:t>
             </a:r>
             <a:endParaRPr/>
           </a:p>
@@ -17024,7 +17247,7 @@
       </p:sp>
       <p:sp>
         <p:nvSpPr>
-          <p:cNvPr id="250" name="Google Shape;250;p27"/>
+          <p:cNvPr id="252" name="Google Shape;252;p27"/>
           <p:cNvSpPr txBox="1">
             <a:spLocks noGrp="1"/>
           </p:cNvSpPr>
@@ -17035,11 +17258,15 @@
         <p:spPr>
           <a:xfrm>
             <a:off x="8540496" y="6356350"/>
-            <a:ext cx="2743200" cy="365100"/>
+            <a:ext cx="2743200" cy="365125"/>
           </a:xfrm>
           <a:prstGeom prst="rect">
             <a:avLst/>
           </a:prstGeom>
+          <a:noFill/>
+          <a:ln>
+            <a:noFill/>
+          </a:ln>
         </p:spPr>
         <p:txBody>
           <a:bodyPr spcFirstLastPara="1" wrap="square" lIns="91425" tIns="45700" rIns="91425" bIns="45700" anchor="ctr" anchorCtr="0">
@@ -17054,10 +17281,6 @@
               <a:spcAft>
                 <a:spcPts val="0"/>
               </a:spcAft>
-              <a:buClr>
-                <a:srgbClr val="000000"/>
-              </a:buClr>
-              <a:buFont typeface="Arial"/>
               <a:buNone/>
             </a:pPr>
             <a:fld id="{00000000-1234-1234-1234-123412341234}" type="slidenum">
@@ -17070,22 +17293,21 @@
       </p:sp>
       <p:pic>
         <p:nvPicPr>
-          <p:cNvPr id="251" name="Google Shape;251;p27"/>
+          <p:cNvPr id="253" name="Google Shape;253;p27"/>
           <p:cNvPicPr preferRelativeResize="0"/>
           <p:nvPr/>
         </p:nvPicPr>
-        <p:blipFill>
+        <p:blipFill rotWithShape="1">
           <a:blip r:embed="rId3">
             <a:alphaModFix/>
           </a:blip>
-          <a:stretch>
-            <a:fillRect/>
-          </a:stretch>
+          <a:srcRect/>
+          <a:stretch/>
         </p:blipFill>
         <p:spPr>
           <a:xfrm>
-            <a:off x="692275" y="1728250"/>
-            <a:ext cx="10053224" cy="4993200"/>
+            <a:off x="-2077657" y="2127325"/>
+            <a:ext cx="9780900" cy="3981300"/>
           </a:xfrm>
           <a:prstGeom prst="rect">
             <a:avLst/>
@@ -17109,7 +17331,7 @@
   <p:cSld>
     <p:spTree>
       <p:nvGrpSpPr>
-        <p:cNvPr id="1" name="Shape 256"/>
+        <p:cNvPr id="1" name="Shape 258"/>
         <p:cNvGrpSpPr/>
         <p:nvPr/>
       </p:nvGrpSpPr>
@@ -17123,7 +17345,148 @@
       </p:grpSpPr>
       <p:sp>
         <p:nvSpPr>
-          <p:cNvPr id="257" name="Google Shape;257;p28"/>
+          <p:cNvPr id="259" name="Google Shape;259;p28"/>
+          <p:cNvSpPr txBox="1">
+            <a:spLocks noGrp="1"/>
+          </p:cNvSpPr>
+          <p:nvPr>
+            <p:ph type="title"/>
+          </p:nvPr>
+        </p:nvSpPr>
+        <p:spPr>
+          <a:xfrm>
+            <a:off x="1115568" y="548640"/>
+            <a:ext cx="10168200" cy="1179600"/>
+          </a:xfrm>
+          <a:prstGeom prst="rect">
+            <a:avLst/>
+          </a:prstGeom>
+        </p:spPr>
+        <p:txBody>
+          <a:bodyPr spcFirstLastPara="1" wrap="square" lIns="91425" tIns="45700" rIns="91425" bIns="45700" anchor="ctr" anchorCtr="0">
+            <a:noAutofit/>
+          </a:bodyPr>
+          <a:lstStyle/>
+          <a:p>
+            <a:pPr marL="0" lvl="0" indent="0" algn="l" rtl="0">
+              <a:spcBef>
+                <a:spcPts val="0"/>
+              </a:spcBef>
+              <a:spcAft>
+                <a:spcPts val="0"/>
+              </a:spcAft>
+              <a:buNone/>
+            </a:pPr>
+            <a:r>
+              <a:rPr lang="en-US"/>
+              <a:t>Comparison of Deaths in China, US, Italy, and Iran</a:t>
+            </a:r>
+            <a:endParaRPr/>
+          </a:p>
+        </p:txBody>
+      </p:sp>
+      <p:sp>
+        <p:nvSpPr>
+          <p:cNvPr id="260" name="Google Shape;260;p28"/>
+          <p:cNvSpPr txBox="1">
+            <a:spLocks noGrp="1"/>
+          </p:cNvSpPr>
+          <p:nvPr>
+            <p:ph type="sldNum" idx="12"/>
+          </p:nvPr>
+        </p:nvSpPr>
+        <p:spPr>
+          <a:xfrm>
+            <a:off x="8540496" y="6356350"/>
+            <a:ext cx="2743200" cy="365100"/>
+          </a:xfrm>
+          <a:prstGeom prst="rect">
+            <a:avLst/>
+          </a:prstGeom>
+        </p:spPr>
+        <p:txBody>
+          <a:bodyPr spcFirstLastPara="1" wrap="square" lIns="91425" tIns="45700" rIns="91425" bIns="45700" anchor="ctr" anchorCtr="0">
+            <a:noAutofit/>
+          </a:bodyPr>
+          <a:lstStyle/>
+          <a:p>
+            <a:pPr marL="0" lvl="0" indent="0" algn="r" rtl="0">
+              <a:spcBef>
+                <a:spcPts val="0"/>
+              </a:spcBef>
+              <a:spcAft>
+                <a:spcPts val="0"/>
+              </a:spcAft>
+              <a:buClr>
+                <a:srgbClr val="000000"/>
+              </a:buClr>
+              <a:buFont typeface="Arial"/>
+              <a:buNone/>
+            </a:pPr>
+            <a:fld id="{00000000-1234-1234-1234-123412341234}" type="slidenum">
+              <a:rPr lang="en-US"/>
+              <a:t>16</a:t>
+            </a:fld>
+            <a:endParaRPr/>
+          </a:p>
+        </p:txBody>
+      </p:sp>
+      <p:pic>
+        <p:nvPicPr>
+          <p:cNvPr id="261" name="Google Shape;261;p28"/>
+          <p:cNvPicPr preferRelativeResize="0"/>
+          <p:nvPr/>
+        </p:nvPicPr>
+        <p:blipFill>
+          <a:blip r:embed="rId3">
+            <a:alphaModFix/>
+          </a:blip>
+          <a:stretch>
+            <a:fillRect/>
+          </a:stretch>
+        </p:blipFill>
+        <p:spPr>
+          <a:xfrm>
+            <a:off x="237650" y="1896500"/>
+            <a:ext cx="7542501" cy="4824950"/>
+          </a:xfrm>
+          <a:prstGeom prst="rect">
+            <a:avLst/>
+          </a:prstGeom>
+          <a:noFill/>
+          <a:ln>
+            <a:noFill/>
+          </a:ln>
+        </p:spPr>
+      </p:pic>
+    </p:spTree>
+  </p:cSld>
+  <p:clrMapOvr>
+    <a:masterClrMapping/>
+  </p:clrMapOvr>
+</p:sld>
+</file>
+
+<file path=ppt/slides/slide17.xml><?xml version="1.0" encoding="utf-8"?>
+<p:sld xmlns:a="http://schemas.openxmlformats.org/drawingml/2006/main" xmlns:r="http://schemas.openxmlformats.org/officeDocument/2006/relationships" xmlns:p="http://schemas.openxmlformats.org/presentationml/2006/main">
+  <p:cSld>
+    <p:spTree>
+      <p:nvGrpSpPr>
+        <p:cNvPr id="1" name="Shape 266"/>
+        <p:cNvGrpSpPr/>
+        <p:nvPr/>
+      </p:nvGrpSpPr>
+      <p:grpSpPr>
+        <a:xfrm>
+          <a:off x="0" y="0"/>
+          <a:ext cx="0" cy="0"/>
+          <a:chOff x="0" y="0"/>
+          <a:chExt cx="0" cy="0"/>
+        </a:xfrm>
+      </p:grpSpPr>
+      <p:sp>
+        <p:nvSpPr>
+          <p:cNvPr id="267" name="Google Shape;267;p29"/>
           <p:cNvSpPr txBox="1">
             <a:spLocks noGrp="1"/>
           </p:cNvSpPr>
@@ -17165,7 +17528,7 @@
       </p:sp>
       <p:sp>
         <p:nvSpPr>
-          <p:cNvPr id="258" name="Google Shape;258;p28"/>
+          <p:cNvPr id="268" name="Google Shape;268;p29"/>
           <p:cNvSpPr txBox="1">
             <a:spLocks noGrp="1"/>
           </p:cNvSpPr>
@@ -17203,7 +17566,7 @@
             </a:pPr>
             <a:fld id="{00000000-1234-1234-1234-123412341234}" type="slidenum">
               <a:rPr lang="en-US"/>
-              <a:t>16</a:t>
+              <a:t>17</a:t>
             </a:fld>
             <a:endParaRPr/>
           </a:p>
@@ -17211,7 +17574,7 @@
       </p:sp>
       <p:pic>
         <p:nvPicPr>
-          <p:cNvPr id="259" name="Google Shape;259;p28"/>
+          <p:cNvPr id="269" name="Google Shape;269;p29"/>
           <p:cNvPicPr preferRelativeResize="0"/>
           <p:nvPr/>
         </p:nvPicPr>
@@ -17239,7 +17602,7 @@
       </p:pic>
       <p:pic>
         <p:nvPicPr>
-          <p:cNvPr id="260" name="Google Shape;260;p28"/>
+          <p:cNvPr id="270" name="Google Shape;270;p29"/>
           <p:cNvPicPr preferRelativeResize="0"/>
           <p:nvPr/>
         </p:nvPicPr>
@@ -17266,7 +17629,7 @@
       </p:pic>
       <p:sp>
         <p:nvSpPr>
-          <p:cNvPr id="261" name="Google Shape;261;p28"/>
+          <p:cNvPr id="271" name="Google Shape;271;p29"/>
           <p:cNvSpPr txBox="1"/>
           <p:nvPr/>
         </p:nvSpPr>
@@ -17324,12 +17687,12 @@
 </p:sld>
 </file>
 
-<file path=ppt/slides/slide17.xml><?xml version="1.0" encoding="utf-8"?>
+<file path=ppt/slides/slide18.xml><?xml version="1.0" encoding="utf-8"?>
 <p:sld xmlns:a="http://schemas.openxmlformats.org/drawingml/2006/main" xmlns:r="http://schemas.openxmlformats.org/officeDocument/2006/relationships" xmlns:p="http://schemas.openxmlformats.org/presentationml/2006/main">
   <p:cSld>
     <p:spTree>
       <p:nvGrpSpPr>
-        <p:cNvPr id="1" name="Shape 265"/>
+        <p:cNvPr id="1" name="Shape 275"/>
         <p:cNvGrpSpPr/>
         <p:nvPr/>
       </p:nvGrpSpPr>
@@ -17343,7 +17706,7 @@
       </p:grpSpPr>
       <p:sp>
         <p:nvSpPr>
-          <p:cNvPr id="266" name="Google Shape;266;p29"/>
+          <p:cNvPr id="276" name="Google Shape;276;p30"/>
           <p:cNvSpPr txBox="1">
             <a:spLocks noGrp="1"/>
           </p:cNvSpPr>
@@ -17381,7 +17744,7 @@
             </a:pPr>
             <a:fld id="{00000000-1234-1234-1234-123412341234}" type="slidenum">
               <a:rPr lang="en-US"/>
-              <a:t>17</a:t>
+              <a:t>18</a:t>
             </a:fld>
             <a:endParaRPr/>
           </a:p>
@@ -17389,7 +17752,7 @@
       </p:sp>
       <p:pic>
         <p:nvPicPr>
-          <p:cNvPr id="267" name="Google Shape;267;p29"/>
+          <p:cNvPr id="277" name="Google Shape;277;p30"/>
           <p:cNvPicPr preferRelativeResize="0"/>
           <p:nvPr/>
         </p:nvPicPr>
@@ -18741,33 +19104,6 @@
           </a:p>
         </p:txBody>
       </p:sp>
-      <p:pic>
-        <p:nvPicPr>
-          <p:cNvPr id="158" name="Google Shape;158;p18"/>
-          <p:cNvPicPr preferRelativeResize="0"/>
-          <p:nvPr/>
-        </p:nvPicPr>
-        <p:blipFill rotWithShape="1">
-          <a:blip r:embed="rId3">
-            <a:alphaModFix/>
-          </a:blip>
-          <a:srcRect/>
-          <a:stretch/>
-        </p:blipFill>
-        <p:spPr>
-          <a:xfrm>
-            <a:off x="6318127" y="1556766"/>
-            <a:ext cx="5048250" cy="5749035"/>
-          </a:xfrm>
-          <a:prstGeom prst="rect">
-            <a:avLst/>
-          </a:prstGeom>
-          <a:noFill/>
-          <a:ln>
-            <a:noFill/>
-          </a:ln>
-        </p:spPr>
-      </p:pic>
       <p:sp>
         <p:nvSpPr>
           <p:cNvPr id="159" name="Google Shape;159;p18"/>
@@ -19018,7 +19354,7 @@
           <p:nvPr/>
         </p:nvPicPr>
         <p:blipFill>
-          <a:blip r:embed="rId4">
+          <a:blip r:embed="rId3">
             <a:alphaModFix/>
           </a:blip>
           <a:stretch>
@@ -19091,6 +19427,53 @@
           </a:p>
         </p:txBody>
       </p:sp>
+      <p:pic>
+        <p:nvPicPr>
+          <p:cNvPr id="2050" name="Picture 2">
+            <a:extLst>
+              <a:ext uri="{FF2B5EF4-FFF2-40B4-BE49-F238E27FC236}">
+                <a16:creationId xmlns:a16="http://schemas.microsoft.com/office/drawing/2014/main" id="{F7A9FC9F-61E9-4C6F-BCE1-BDD6D6E9F6AD}"/>
+              </a:ext>
+            </a:extLst>
+          </p:cNvPr>
+          <p:cNvPicPr>
+            <a:picLocks noChangeAspect="1" noChangeArrowheads="1"/>
+          </p:cNvPicPr>
+          <p:nvPr/>
+        </p:nvPicPr>
+        <p:blipFill>
+          <a:blip r:embed="rId4">
+            <a:extLst>
+              <a:ext uri="{28A0092B-C50C-407E-A947-70E740481C1C}">
+                <a14:useLocalDpi xmlns:a14="http://schemas.microsoft.com/office/drawing/2010/main" val="0"/>
+              </a:ext>
+            </a:extLst>
+          </a:blip>
+          <a:srcRect/>
+          <a:stretch>
+            <a:fillRect/>
+          </a:stretch>
+        </p:blipFill>
+        <p:spPr bwMode="auto">
+          <a:xfrm>
+            <a:off x="6072225" y="1663659"/>
+            <a:ext cx="5211471" cy="5509980"/>
+          </a:xfrm>
+          <a:prstGeom prst="rect">
+            <a:avLst/>
+          </a:prstGeom>
+          <a:noFill/>
+          <a:extLst>
+            <a:ext uri="{909E8E84-426E-40DD-AFC4-6F175D3DCCD1}">
+              <a14:hiddenFill xmlns:a14="http://schemas.microsoft.com/office/drawing/2010/main">
+                <a:solidFill>
+                  <a:srgbClr val="FFFFFF"/>
+                </a:solidFill>
+              </a14:hiddenFill>
+            </a:ext>
+          </a:extLst>
+        </p:spPr>
+      </p:pic>
     </p:spTree>
   </p:cSld>
   <p:clrMapOvr>
@@ -19564,15 +19947,15 @@
               <a:buNone/>
             </a:pPr>
             <a:r>
-              <a:rPr lang="en-US">
+              <a:rPr lang="en-US" dirty="0">
                 <a:latin typeface="Avenir"/>
                 <a:ea typeface="Avenir"/>
                 <a:cs typeface="Avenir"/>
                 <a:sym typeface="Avenir"/>
               </a:rPr>
-              <a:t>Pharma Stock Prices Trend</a:t>
+              <a:t>Pharma Stock Prices Trend (Total)</a:t>
             </a:r>
-            <a:endParaRPr>
+            <a:endParaRPr dirty="0">
               <a:latin typeface="Avenir"/>
               <a:ea typeface="Avenir"/>
               <a:cs typeface="Avenir"/>
@@ -19896,30 +20279,49 @@
       </p:sp>
       <p:pic>
         <p:nvPicPr>
-          <p:cNvPr id="184" name="Google Shape;184;p20"/>
-          <p:cNvPicPr preferRelativeResize="0"/>
+          <p:cNvPr id="1026" name="Picture 2">
+            <a:extLst>
+              <a:ext uri="{FF2B5EF4-FFF2-40B4-BE49-F238E27FC236}">
+                <a16:creationId xmlns:a16="http://schemas.microsoft.com/office/drawing/2014/main" id="{B1C5AC8D-1BEB-4404-AD21-6279C70886CE}"/>
+              </a:ext>
+            </a:extLst>
+          </p:cNvPr>
+          <p:cNvPicPr>
+            <a:picLocks noChangeAspect="1" noChangeArrowheads="1"/>
+          </p:cNvPicPr>
           <p:nvPr/>
         </p:nvPicPr>
         <p:blipFill>
           <a:blip r:embed="rId3">
-            <a:alphaModFix/>
+            <a:extLst>
+              <a:ext uri="{28A0092B-C50C-407E-A947-70E740481C1C}">
+                <a14:useLocalDpi xmlns:a14="http://schemas.microsoft.com/office/drawing/2010/main" val="0"/>
+              </a:ext>
+            </a:extLst>
           </a:blip>
+          <a:srcRect/>
           <a:stretch>
             <a:fillRect/>
           </a:stretch>
         </p:blipFill>
-        <p:spPr>
-          <a:xfrm>
-            <a:off x="610525" y="1654875"/>
-            <a:ext cx="5695050" cy="16336426"/>
+        <p:spPr bwMode="auto">
+          <a:xfrm>
+            <a:off x="764897" y="1932495"/>
+            <a:ext cx="5331103" cy="6071153"/>
           </a:xfrm>
           <a:prstGeom prst="rect">
             <a:avLst/>
           </a:prstGeom>
           <a:noFill/>
-          <a:ln>
-            <a:noFill/>
-          </a:ln>
+          <a:extLst>
+            <a:ext uri="{909E8E84-426E-40DD-AFC4-6F175D3DCCD1}">
+              <a14:hiddenFill xmlns:a14="http://schemas.microsoft.com/office/drawing/2010/main">
+                <a:solidFill>
+                  <a:srgbClr val="FFFFFF"/>
+                </a:solidFill>
+              </a14:hiddenFill>
+            </a:ext>
+          </a:extLst>
         </p:spPr>
       </p:pic>
     </p:spTree>
@@ -19935,7 +20337,7 @@
   <p:cSld>
     <p:spTree>
       <p:nvGrpSpPr>
-        <p:cNvPr id="1" name="Shape 189"/>
+        <p:cNvPr id="1" name="Shape 188"/>
         <p:cNvGrpSpPr/>
         <p:nvPr/>
       </p:nvGrpSpPr>
@@ -19949,7 +20351,7 @@
       </p:grpSpPr>
       <p:sp>
         <p:nvSpPr>
-          <p:cNvPr id="190" name="Google Shape;190;p21"/>
+          <p:cNvPr id="189" name="Google Shape;189;p21"/>
           <p:cNvSpPr txBox="1">
             <a:spLocks noGrp="1"/>
           </p:cNvSpPr>
@@ -19960,11 +20362,15 @@
         <p:spPr>
           <a:xfrm>
             <a:off x="1115568" y="548640"/>
-            <a:ext cx="10168200" cy="1179600"/>
+            <a:ext cx="10168128" cy="1179576"/>
           </a:xfrm>
           <a:prstGeom prst="rect">
             <a:avLst/>
           </a:prstGeom>
+          <a:noFill/>
+          <a:ln>
+            <a:noFill/>
+          </a:ln>
         </p:spPr>
         <p:txBody>
           <a:bodyPr spcFirstLastPara="1" wrap="square" lIns="91425" tIns="45700" rIns="91425" bIns="45700" anchor="ctr" anchorCtr="0">
@@ -19973,19 +20379,205 @@
           <a:lstStyle/>
           <a:p>
             <a:pPr marL="0" lvl="0" indent="0" algn="l" rtl="0">
-              <a:spcBef>
-                <a:spcPts val="0"/>
-              </a:spcBef>
-              <a:spcAft>
-                <a:spcPts val="0"/>
-              </a:spcAft>
+              <a:lnSpc>
+                <a:spcPct val="90000"/>
+              </a:lnSpc>
+              <a:spcBef>
+                <a:spcPts val="0"/>
+              </a:spcBef>
+              <a:spcAft>
+                <a:spcPts val="0"/>
+              </a:spcAft>
+              <a:buClr>
+                <a:schemeClr val="dk1"/>
+              </a:buClr>
+              <a:buSzPts val="3600"/>
+              <a:buFont typeface="Avenir"/>
               <a:buNone/>
             </a:pPr>
             <a:r>
-              <a:rPr lang="en-US"/>
-              <a:t>Trend of the Top Tech Companies Stocks</a:t>
+              <a:rPr lang="en-US" sz="3600" dirty="0"/>
+              <a:t>How about Clorox?</a:t>
             </a:r>
-            <a:endParaRPr/>
+            <a:br>
+              <a:rPr lang="en-US" dirty="0"/>
+            </a:br>
+            <a:r>
+              <a:rPr lang="en-US" sz="2200" dirty="0"/>
+              <a:t>(</a:t>
+            </a:r>
+            <a:r>
+              <a:rPr lang="en-US" sz="2200" dirty="0">
+                <a:solidFill>
+                  <a:srgbClr val="0070C0"/>
+                </a:solidFill>
+              </a:rPr>
+              <a:t>Ticker : </a:t>
+            </a:r>
+            <a:r>
+              <a:rPr lang="en-US" sz="2200" dirty="0"/>
+              <a:t>CLX)</a:t>
+            </a:r>
+            <a:endParaRPr dirty="0"/>
+          </a:p>
+        </p:txBody>
+      </p:sp>
+      <p:sp>
+        <p:nvSpPr>
+          <p:cNvPr id="190" name="Google Shape;190;p21"/>
+          <p:cNvSpPr txBox="1"/>
+          <p:nvPr/>
+        </p:nvSpPr>
+        <p:spPr>
+          <a:xfrm>
+            <a:off x="825623" y="5229659"/>
+            <a:ext cx="10458073" cy="1754326"/>
+          </a:xfrm>
+          <a:prstGeom prst="rect">
+            <a:avLst/>
+          </a:prstGeom>
+          <a:noFill/>
+          <a:ln>
+            <a:noFill/>
+          </a:ln>
+        </p:spPr>
+        <p:txBody>
+          <a:bodyPr spcFirstLastPara="1" wrap="square" lIns="91425" tIns="45700" rIns="91425" bIns="45700" anchor="t" anchorCtr="0">
+            <a:noAutofit/>
+          </a:bodyPr>
+          <a:lstStyle/>
+          <a:p>
+            <a:pPr marL="285750" marR="0" lvl="0" indent="-285750" algn="l" rtl="0">
+              <a:spcBef>
+                <a:spcPts val="0"/>
+              </a:spcBef>
+              <a:spcAft>
+                <a:spcPts val="0"/>
+              </a:spcAft>
+              <a:buClr>
+                <a:schemeClr val="dk1"/>
+              </a:buClr>
+              <a:buSzPts val="1800"/>
+              <a:buFont typeface="Arial"/>
+              <a:buChar char="•"/>
+            </a:pPr>
+            <a:r>
+              <a:rPr lang="en-US" sz="1800" dirty="0">
+                <a:solidFill>
+                  <a:schemeClr val="dk1"/>
+                </a:solidFill>
+                <a:latin typeface="Avenir"/>
+                <a:ea typeface="Avenir"/>
+                <a:cs typeface="Avenir"/>
+                <a:sym typeface="Avenir"/>
+              </a:rPr>
+              <a:t>There is a positive correlation between COVID cases  and Clorox stocks have been trending upwards</a:t>
+            </a:r>
+            <a:endParaRPr dirty="0"/>
+          </a:p>
+          <a:p>
+            <a:pPr marL="0" marR="0" lvl="0" indent="0" algn="l" rtl="0">
+              <a:spcBef>
+                <a:spcPts val="0"/>
+              </a:spcBef>
+              <a:spcAft>
+                <a:spcPts val="0"/>
+              </a:spcAft>
+              <a:buNone/>
+            </a:pPr>
+            <a:endParaRPr sz="1800" dirty="0">
+              <a:solidFill>
+                <a:schemeClr val="dk1"/>
+              </a:solidFill>
+              <a:latin typeface="Avenir"/>
+              <a:ea typeface="Avenir"/>
+              <a:cs typeface="Avenir"/>
+              <a:sym typeface="Avenir"/>
+            </a:endParaRPr>
+          </a:p>
+          <a:p>
+            <a:pPr marL="285750" marR="0" lvl="0" indent="-285750" algn="l" rtl="0">
+              <a:spcBef>
+                <a:spcPts val="0"/>
+              </a:spcBef>
+              <a:spcAft>
+                <a:spcPts val="0"/>
+              </a:spcAft>
+              <a:buClr>
+                <a:schemeClr val="dk1"/>
+              </a:buClr>
+              <a:buSzPts val="1800"/>
+              <a:buFont typeface="Arial"/>
+              <a:buChar char="•"/>
+            </a:pPr>
+            <a:r>
+              <a:rPr lang="en-US" sz="1800" dirty="0">
+                <a:solidFill>
+                  <a:schemeClr val="dk1"/>
+                </a:solidFill>
+                <a:latin typeface="Avenir"/>
+                <a:ea typeface="Avenir"/>
+                <a:cs typeface="Avenir"/>
+                <a:sym typeface="Avenir"/>
+              </a:rPr>
+              <a:t>The value of correlation coefficient between dates 1/21/2020 – 3/18/2020 is</a:t>
+            </a:r>
+            <a:endParaRPr dirty="0"/>
+          </a:p>
+          <a:p>
+            <a:pPr marL="0" marR="0" lvl="0" indent="0" algn="l" rtl="0">
+              <a:spcBef>
+                <a:spcPts val="0"/>
+              </a:spcBef>
+              <a:spcAft>
+                <a:spcPts val="0"/>
+              </a:spcAft>
+              <a:buNone/>
+            </a:pPr>
+            <a:r>
+              <a:rPr lang="en-US" sz="1800" dirty="0">
+                <a:solidFill>
+                  <a:srgbClr val="FF0000"/>
+                </a:solidFill>
+                <a:latin typeface="Avenir"/>
+                <a:ea typeface="Avenir"/>
+                <a:cs typeface="Avenir"/>
+                <a:sym typeface="Avenir"/>
+              </a:rPr>
+              <a:t>      </a:t>
+            </a:r>
+            <a:r>
+              <a:rPr lang="en-US" sz="1800" dirty="0">
+                <a:solidFill>
+                  <a:srgbClr val="00B050"/>
+                </a:solidFill>
+                <a:latin typeface="Avenir"/>
+                <a:ea typeface="Avenir"/>
+                <a:cs typeface="Avenir"/>
+                <a:sym typeface="Avenir"/>
+              </a:rPr>
+              <a:t>0.82</a:t>
+            </a:r>
+            <a:br>
+              <a:rPr lang="en-US" sz="1800" dirty="0">
+                <a:solidFill>
+                  <a:schemeClr val="dk1"/>
+                </a:solidFill>
+                <a:latin typeface="Avenir"/>
+                <a:ea typeface="Avenir"/>
+                <a:cs typeface="Avenir"/>
+                <a:sym typeface="Avenir"/>
+              </a:rPr>
+            </a:br>
+            <a:endParaRPr sz="1800" dirty="0">
+              <a:solidFill>
+                <a:schemeClr val="dk1"/>
+              </a:solidFill>
+              <a:latin typeface="Avenir"/>
+              <a:ea typeface="Avenir"/>
+              <a:cs typeface="Avenir"/>
+              <a:sym typeface="Avenir"/>
+            </a:endParaRPr>
           </a:p>
         </p:txBody>
       </p:sp>
@@ -19996,37 +20588,41 @@
             <a:spLocks noGrp="1"/>
           </p:cNvSpPr>
           <p:nvPr>
-            <p:ph type="body" idx="1"/>
+            <p:ph type="sldNum" idx="12"/>
           </p:nvPr>
         </p:nvSpPr>
         <p:spPr>
           <a:xfrm>
-            <a:off x="1115568" y="2478024"/>
-            <a:ext cx="4937700" cy="3694200"/>
+            <a:off x="8540496" y="6356350"/>
+            <a:ext cx="2743200" cy="365125"/>
           </a:xfrm>
           <a:prstGeom prst="rect">
             <a:avLst/>
           </a:prstGeom>
+          <a:noFill/>
+          <a:ln>
+            <a:noFill/>
+          </a:ln>
         </p:spPr>
         <p:txBody>
-          <a:bodyPr spcFirstLastPara="1" wrap="square" lIns="91425" tIns="45700" rIns="91425" bIns="45700" anchor="t" anchorCtr="0">
+          <a:bodyPr spcFirstLastPara="1" wrap="square" lIns="91425" tIns="45700" rIns="91425" bIns="45700" anchor="ctr" anchorCtr="0">
             <a:noAutofit/>
           </a:bodyPr>
           <a:lstStyle/>
           <a:p>
-            <a:pPr marL="0" lvl="0" indent="0" algn="l" rtl="0">
-              <a:spcBef>
-                <a:spcPts val="1000"/>
+            <a:pPr marL="0" lvl="0" indent="0" algn="r" rtl="0">
+              <a:spcBef>
+                <a:spcPts val="0"/>
               </a:spcBef>
               <a:spcAft>
                 <a:spcPts val="0"/>
               </a:spcAft>
               <a:buNone/>
             </a:pPr>
-            <a:r>
+            <a:fld id="{00000000-1234-1234-1234-123412341234}" type="slidenum">
               <a:rPr lang="en-US"/>
-              <a:t>Tech Companies Stocks </a:t>
-            </a:r>
+              <a:t>9</a:t>
+            </a:fld>
             <a:endParaRPr/>
           </a:p>
         </p:txBody>
@@ -20034,45 +20630,49 @@
       <p:sp>
         <p:nvSpPr>
           <p:cNvPr id="192" name="Google Shape;192;p21"/>
-          <p:cNvSpPr txBox="1">
-            <a:spLocks noGrp="1"/>
-          </p:cNvSpPr>
-          <p:nvPr>
-            <p:ph type="sldNum" idx="12"/>
-          </p:nvPr>
+          <p:cNvSpPr txBox="1"/>
+          <p:nvPr/>
         </p:nvSpPr>
         <p:spPr>
           <a:xfrm>
-            <a:off x="8540496" y="6356350"/>
-            <a:ext cx="2743200" cy="365100"/>
+            <a:off x="408373" y="6536809"/>
+            <a:ext cx="7519386" cy="276999"/>
           </a:xfrm>
           <a:prstGeom prst="rect">
             <a:avLst/>
           </a:prstGeom>
+          <a:noFill/>
+          <a:ln>
+            <a:noFill/>
+          </a:ln>
         </p:spPr>
         <p:txBody>
-          <a:bodyPr spcFirstLastPara="1" wrap="square" lIns="91425" tIns="45700" rIns="91425" bIns="45700" anchor="ctr" anchorCtr="0">
+          <a:bodyPr spcFirstLastPara="1" wrap="square" lIns="91425" tIns="45700" rIns="91425" bIns="45700" anchor="t" anchorCtr="0">
             <a:noAutofit/>
           </a:bodyPr>
           <a:lstStyle/>
           <a:p>
-            <a:pPr marL="0" lvl="0" indent="0" algn="r" rtl="0">
-              <a:spcBef>
-                <a:spcPts val="0"/>
-              </a:spcBef>
-              <a:spcAft>
-                <a:spcPts val="0"/>
-              </a:spcAft>
-              <a:buClr>
-                <a:srgbClr val="000000"/>
-              </a:buClr>
-              <a:buFont typeface="Arial"/>
+            <a:pPr marL="0" marR="0" lvl="0" indent="0" algn="l" rtl="0">
+              <a:spcBef>
+                <a:spcPts val="0"/>
+              </a:spcBef>
+              <a:spcAft>
+                <a:spcPts val="0"/>
+              </a:spcAft>
               <a:buNone/>
             </a:pPr>
-            <a:fld id="{00000000-1234-1234-1234-123412341234}" type="slidenum">
-              <a:rPr lang="en-US"/>
-              <a:t>9</a:t>
-            </a:fld>
+            <a:r>
+              <a:rPr lang="en-US" sz="1200" i="1">
+                <a:solidFill>
+                  <a:schemeClr val="dk1"/>
+                </a:solidFill>
+                <a:latin typeface="Avenir"/>
+                <a:ea typeface="Avenir"/>
+                <a:cs typeface="Avenir"/>
+                <a:sym typeface="Avenir"/>
+              </a:rPr>
+              <a:t>The closing price of all the stocks have been analyzed</a:t>
+            </a:r>
             <a:endParaRPr/>
           </a:p>
         </p:txBody>
@@ -20093,8 +20693,8 @@
         </p:blipFill>
         <p:spPr>
           <a:xfrm>
-            <a:off x="902325" y="3225350"/>
-            <a:ext cx="5150950" cy="3237175"/>
+            <a:off x="745225" y="1728225"/>
+            <a:ext cx="5022000" cy="3432125"/>
           </a:xfrm>
           <a:prstGeom prst="rect">
             <a:avLst/>
@@ -20105,51 +20705,9 @@
           </a:ln>
         </p:spPr>
       </p:pic>
-      <p:sp>
-        <p:nvSpPr>
-          <p:cNvPr id="194" name="Google Shape;194;p21"/>
-          <p:cNvSpPr txBox="1">
-            <a:spLocks noGrp="1"/>
-          </p:cNvSpPr>
-          <p:nvPr>
-            <p:ph type="body" idx="2"/>
-          </p:nvPr>
-        </p:nvSpPr>
-        <p:spPr>
-          <a:xfrm>
-            <a:off x="6345936" y="2478024"/>
-            <a:ext cx="4937700" cy="3694200"/>
-          </a:xfrm>
-          <a:prstGeom prst="rect">
-            <a:avLst/>
-          </a:prstGeom>
-        </p:spPr>
-        <p:txBody>
-          <a:bodyPr spcFirstLastPara="1" wrap="square" lIns="91425" tIns="45700" rIns="91425" bIns="45700" anchor="t" anchorCtr="0">
-            <a:noAutofit/>
-          </a:bodyPr>
-          <a:lstStyle/>
-          <a:p>
-            <a:pPr marL="0" lvl="0" indent="0" algn="l" rtl="0">
-              <a:spcBef>
-                <a:spcPts val="1000"/>
-              </a:spcBef>
-              <a:spcAft>
-                <a:spcPts val="0"/>
-              </a:spcAft>
-              <a:buNone/>
-            </a:pPr>
-            <a:r>
-              <a:rPr lang="en-US"/>
-              <a:t>Total Closing Stock  Analysis</a:t>
-            </a:r>
-            <a:endParaRPr/>
-          </a:p>
-        </p:txBody>
-      </p:sp>
       <p:pic>
         <p:nvPicPr>
-          <p:cNvPr id="195" name="Google Shape;195;p21"/>
+          <p:cNvPr id="194" name="Google Shape;194;p21"/>
           <p:cNvPicPr preferRelativeResize="0"/>
           <p:nvPr/>
         </p:nvPicPr>
@@ -20163,8 +20721,8 @@
         </p:blipFill>
         <p:spPr>
           <a:xfrm>
-            <a:off x="6345925" y="3291400"/>
-            <a:ext cx="4829175" cy="2971550"/>
+            <a:off x="6067250" y="1645385"/>
+            <a:ext cx="4728150" cy="10807189"/>
           </a:xfrm>
           <a:prstGeom prst="rect">
             <a:avLst/>
@@ -20180,6 +20738,138 @@
   <p:clrMapOvr>
     <a:masterClrMapping/>
   </p:clrMapOvr>
+  <p:timing>
+    <p:tnLst>
+      <p:par>
+        <p:cTn id="1" dur="indefinite" restart="never" nodeType="tmRoot">
+          <p:childTnLst>
+            <p:seq concurrent="1" nextAc="seek">
+              <p:cTn id="2" dur="indefinite" nodeType="mainSeq">
+                <p:childTnLst>
+                  <p:par>
+                    <p:cTn id="3" fill="hold">
+                      <p:stCondLst>
+                        <p:cond delay="indefinite"/>
+                      </p:stCondLst>
+                      <p:childTnLst>
+                        <p:par>
+                          <p:cTn id="4" fill="hold">
+                            <p:stCondLst>
+                              <p:cond delay="0"/>
+                            </p:stCondLst>
+                            <p:childTnLst>
+                              <p:par>
+                                <p:cTn id="5" presetID="1" presetClass="entr" presetSubtype="0" fill="hold" grpId="0" nodeType="clickEffect">
+                                  <p:stCondLst>
+                                    <p:cond delay="0"/>
+                                  </p:stCondLst>
+                                  <p:childTnLst>
+                                    <p:set>
+                                      <p:cBhvr>
+                                        <p:cTn id="6" dur="1" fill="hold">
+                                          <p:stCondLst>
+                                            <p:cond delay="0"/>
+                                          </p:stCondLst>
+                                        </p:cTn>
+                                        <p:tgtEl>
+                                          <p:spTgt spid="190"/>
+                                        </p:tgtEl>
+                                        <p:attrNameLst>
+                                          <p:attrName>style.visibility</p:attrName>
+                                        </p:attrNameLst>
+                                      </p:cBhvr>
+                                      <p:to>
+                                        <p:strVal val="visible"/>
+                                      </p:to>
+                                    </p:set>
+                                  </p:childTnLst>
+                                </p:cTn>
+                              </p:par>
+                              <p:par>
+                                <p:cTn id="7" presetID="1" presetClass="entr" presetSubtype="0" fill="hold" nodeType="withEffect">
+                                  <p:stCondLst>
+                                    <p:cond delay="0"/>
+                                  </p:stCondLst>
+                                  <p:childTnLst>
+                                    <p:set>
+                                      <p:cBhvr>
+                                        <p:cTn id="8" dur="1" fill="hold">
+                                          <p:stCondLst>
+                                            <p:cond delay="0"/>
+                                          </p:stCondLst>
+                                        </p:cTn>
+                                        <p:tgtEl>
+                                          <p:spTgt spid="193"/>
+                                        </p:tgtEl>
+                                        <p:attrNameLst>
+                                          <p:attrName>style.visibility</p:attrName>
+                                        </p:attrNameLst>
+                                      </p:cBhvr>
+                                      <p:to>
+                                        <p:strVal val="visible"/>
+                                      </p:to>
+                                    </p:set>
+                                  </p:childTnLst>
+                                </p:cTn>
+                              </p:par>
+                              <p:par>
+                                <p:cTn id="9" presetID="1" presetClass="entr" presetSubtype="0" fill="hold" nodeType="withEffect">
+                                  <p:stCondLst>
+                                    <p:cond delay="0"/>
+                                  </p:stCondLst>
+                                  <p:childTnLst>
+                                    <p:set>
+                                      <p:cBhvr>
+                                        <p:cTn id="10" dur="1" fill="hold">
+                                          <p:stCondLst>
+                                            <p:cond delay="0"/>
+                                          </p:stCondLst>
+                                        </p:cTn>
+                                        <p:tgtEl>
+                                          <p:spTgt spid="194"/>
+                                        </p:tgtEl>
+                                        <p:attrNameLst>
+                                          <p:attrName>style.visibility</p:attrName>
+                                        </p:attrNameLst>
+                                      </p:cBhvr>
+                                      <p:to>
+                                        <p:strVal val="visible"/>
+                                      </p:to>
+                                    </p:set>
+                                  </p:childTnLst>
+                                </p:cTn>
+                              </p:par>
+                            </p:childTnLst>
+                          </p:cTn>
+                        </p:par>
+                      </p:childTnLst>
+                    </p:cTn>
+                  </p:par>
+                </p:childTnLst>
+              </p:cTn>
+              <p:prevCondLst>
+                <p:cond evt="onPrev" delay="0">
+                  <p:tgtEl>
+                    <p:sldTgt/>
+                  </p:tgtEl>
+                </p:cond>
+              </p:prevCondLst>
+              <p:nextCondLst>
+                <p:cond evt="onNext" delay="0">
+                  <p:tgtEl>
+                    <p:sldTgt/>
+                  </p:tgtEl>
+                </p:cond>
+              </p:nextCondLst>
+            </p:seq>
+          </p:childTnLst>
+        </p:cTn>
+      </p:par>
+    </p:tnLst>
+    <p:bldLst>
+      <p:bldP spid="190" grpId="0"/>
+    </p:bldLst>
+  </p:timing>
 </p:sld>
 </file>
 
